--- a/VantagensEconomicas.pptx
+++ b/VantagensEconomicas.pptx
@@ -2,10 +2,14 @@
 <file path=ppt/presentation.xml><?xml version="1.0" encoding="utf-8"?>
 <p:presentation xmlns:a="http://schemas.openxmlformats.org/drawingml/2006/main" xmlns:r="http://schemas.openxmlformats.org/officeDocument/2006/relationships" xmlns:p="http://schemas.openxmlformats.org/presentationml/2006/main" saveSubsetFonts="1">
   <p:sldMasterIdLst>
-    <p:sldMasterId id="2147483648" r:id="rId1"/>
+    <p:sldMasterId id="2147483728" r:id="rId1"/>
   </p:sldMasterIdLst>
   <p:sldIdLst>
     <p:sldId id="256" r:id="rId2"/>
+    <p:sldId id="261" r:id="rId3"/>
+    <p:sldId id="258" r:id="rId4"/>
+    <p:sldId id="257" r:id="rId5"/>
+    <p:sldId id="259" r:id="rId6"/>
   </p:sldIdLst>
   <p:sldSz cx="12192000" cy="6858000"/>
   <p:notesSz cx="6858000" cy="9144000"/>
@@ -104,6 +108,11 @@
       </a:defRPr>
     </a:lvl9pPr>
   </p:defaultTextStyle>
+  <p:extLst>
+    <p:ext uri="{EFAFB233-063F-42B5-8137-9DF3F51BA10A}">
+      <p15:sldGuideLst xmlns:p15="http://schemas.microsoft.com/office/powerpoint/2012/main"/>
+    </p:ext>
+  </p:extLst>
 </p:presentation>
 </file>
 
@@ -129,7 +138,7 @@
           <p:cNvPr id="2" name="Título 1">
             <a:extLst>
               <a:ext uri="{FF2B5EF4-FFF2-40B4-BE49-F238E27FC236}">
-                <a16:creationId xmlns:a16="http://schemas.microsoft.com/office/drawing/2014/main" id="{296F945F-AD6D-4580-9364-EF63DF10C90B}"/>
+                <a16:creationId xmlns:a16="http://schemas.microsoft.com/office/drawing/2014/main" id="{9CB22F50-07CD-4C2A-BCD1-57B1CBCDC7D4}"/>
               </a:ext>
             </a:extLst>
           </p:cNvPr>
@@ -166,7 +175,7 @@
           <p:cNvPr id="3" name="Subtítulo 2">
             <a:extLst>
               <a:ext uri="{FF2B5EF4-FFF2-40B4-BE49-F238E27FC236}">
-                <a16:creationId xmlns:a16="http://schemas.microsoft.com/office/drawing/2014/main" id="{22520E79-216A-42E8-9649-DDB05AB143B2}"/>
+                <a16:creationId xmlns:a16="http://schemas.microsoft.com/office/drawing/2014/main" id="{AB3DB268-DF99-4EC2-B06A-B76C88F5F484}"/>
               </a:ext>
             </a:extLst>
           </p:cNvPr>
@@ -236,7 +245,7 @@
           <p:cNvPr id="4" name="Marcador de Posição da Data 3">
             <a:extLst>
               <a:ext uri="{FF2B5EF4-FFF2-40B4-BE49-F238E27FC236}">
-                <a16:creationId xmlns:a16="http://schemas.microsoft.com/office/drawing/2014/main" id="{4B6B37DE-E850-4A4E-B331-581B64BACB2A}"/>
+                <a16:creationId xmlns:a16="http://schemas.microsoft.com/office/drawing/2014/main" id="{BA447218-7327-451B-B6D9-21E9E23A6EEC}"/>
               </a:ext>
             </a:extLst>
           </p:cNvPr>
@@ -254,7 +263,7 @@
           <a:p>
             <a:fld id="{8D7E6A75-01B1-4FAB-8E79-A2B134B7DF2F}" type="datetimeFigureOut">
               <a:rPr lang="pt-PT" smtClean="0"/>
-              <a:t>29/10/2020</a:t>
+              <a:t>30/10/2020</a:t>
             </a:fld>
             <a:endParaRPr lang="pt-PT"/>
           </a:p>
@@ -265,7 +274,7 @@
           <p:cNvPr id="5" name="Marcador de Posição do Rodapé 4">
             <a:extLst>
               <a:ext uri="{FF2B5EF4-FFF2-40B4-BE49-F238E27FC236}">
-                <a16:creationId xmlns:a16="http://schemas.microsoft.com/office/drawing/2014/main" id="{C96B5026-5285-4886-ACAD-10C589E6E352}"/>
+                <a16:creationId xmlns:a16="http://schemas.microsoft.com/office/drawing/2014/main" id="{93A8F1B0-183C-497D-B4A8-834FEE88C679}"/>
               </a:ext>
             </a:extLst>
           </p:cNvPr>
@@ -290,7 +299,7 @@
           <p:cNvPr id="6" name="Marcador de Posição do Número do Diapositivo 5">
             <a:extLst>
               <a:ext uri="{FF2B5EF4-FFF2-40B4-BE49-F238E27FC236}">
-                <a16:creationId xmlns:a16="http://schemas.microsoft.com/office/drawing/2014/main" id="{C38EC674-4283-4073-9B7E-7A9C7CA39822}"/>
+                <a16:creationId xmlns:a16="http://schemas.microsoft.com/office/drawing/2014/main" id="{A4A40999-B7EA-42ED-83F7-E33A1E0F9DED}"/>
               </a:ext>
             </a:extLst>
           </p:cNvPr>
@@ -314,10 +323,55 @@
           </a:p>
         </p:txBody>
       </p:sp>
+      <p:pic>
+        <p:nvPicPr>
+          <p:cNvPr id="8" name="Imagem 7">
+            <a:extLst>
+              <a:ext uri="{FF2B5EF4-FFF2-40B4-BE49-F238E27FC236}">
+                <a16:creationId xmlns:a16="http://schemas.microsoft.com/office/drawing/2014/main" id="{FBFFA25D-B29D-47CF-9E76-0252CAF8AAF6}"/>
+              </a:ext>
+            </a:extLst>
+          </p:cNvPr>
+          <p:cNvPicPr>
+            <a:picLocks noChangeAspect="1"/>
+          </p:cNvPicPr>
+          <p:nvPr userDrawn="1"/>
+        </p:nvPicPr>
+        <p:blipFill>
+          <a:blip r:embed="rId2">
+            <a:extLst>
+              <a:ext uri="{BEBA8EAE-BF5A-486C-A8C5-ECC9F3942E4B}">
+                <a14:imgProps xmlns:a14="http://schemas.microsoft.com/office/drawing/2010/main">
+                  <a14:imgLayer r:embed="rId3">
+                    <a14:imgEffect>
+                      <a14:backgroundRemoval t="0" b="100000" l="1000" r="100000"/>
+                    </a14:imgEffect>
+                  </a14:imgLayer>
+                </a14:imgProps>
+              </a:ext>
+              <a:ext uri="{28A0092B-C50C-407E-A947-70E740481C1C}">
+                <a14:useLocalDpi xmlns:a14="http://schemas.microsoft.com/office/drawing/2010/main" val="0"/>
+              </a:ext>
+            </a:extLst>
+          </a:blip>
+          <a:stretch>
+            <a:fillRect/>
+          </a:stretch>
+        </p:blipFill>
+        <p:spPr>
+          <a:xfrm>
+            <a:off x="10845883" y="379872"/>
+            <a:ext cx="1015833" cy="1106129"/>
+          </a:xfrm>
+          <a:prstGeom prst="rect">
+            <a:avLst/>
+          </a:prstGeom>
+        </p:spPr>
+      </p:pic>
     </p:spTree>
     <p:extLst>
       <p:ext uri="{BB962C8B-B14F-4D97-AF65-F5344CB8AC3E}">
-        <p14:creationId xmlns:p14="http://schemas.microsoft.com/office/powerpoint/2010/main" val="475430068"/>
+        <p14:creationId xmlns:p14="http://schemas.microsoft.com/office/powerpoint/2010/main" val="1181533193"/>
       </p:ext>
     </p:extLst>
   </p:cSld>
@@ -349,7 +403,7 @@
           <p:cNvPr id="2" name="Título 1">
             <a:extLst>
               <a:ext uri="{FF2B5EF4-FFF2-40B4-BE49-F238E27FC236}">
-                <a16:creationId xmlns:a16="http://schemas.microsoft.com/office/drawing/2014/main" id="{CB2A5BCA-2ABD-4755-B3AD-343AC5EE3989}"/>
+                <a16:creationId xmlns:a16="http://schemas.microsoft.com/office/drawing/2014/main" id="{5B51ED5C-0644-4D4E-A46B-59AA03AA732E}"/>
               </a:ext>
             </a:extLst>
           </p:cNvPr>
@@ -377,7 +431,7 @@
           <p:cNvPr id="3" name="Marcador de Posição de Texto Vertical 2">
             <a:extLst>
               <a:ext uri="{FF2B5EF4-FFF2-40B4-BE49-F238E27FC236}">
-                <a16:creationId xmlns:a16="http://schemas.microsoft.com/office/drawing/2014/main" id="{12418F82-8562-4E55-A4F3-43A7CA1B0480}"/>
+                <a16:creationId xmlns:a16="http://schemas.microsoft.com/office/drawing/2014/main" id="{065CD9BC-6AA3-4613-92EA-CADCE8FA3D43}"/>
               </a:ext>
             </a:extLst>
           </p:cNvPr>
@@ -434,7 +488,7 @@
           <p:cNvPr id="4" name="Marcador de Posição da Data 3">
             <a:extLst>
               <a:ext uri="{FF2B5EF4-FFF2-40B4-BE49-F238E27FC236}">
-                <a16:creationId xmlns:a16="http://schemas.microsoft.com/office/drawing/2014/main" id="{F6C6105D-3A5A-430E-86B8-9BFF8D82C07A}"/>
+                <a16:creationId xmlns:a16="http://schemas.microsoft.com/office/drawing/2014/main" id="{B0E0999A-AEC8-4A9A-ADF8-1E9F47873C56}"/>
               </a:ext>
             </a:extLst>
           </p:cNvPr>
@@ -452,7 +506,7 @@
           <a:p>
             <a:fld id="{8D7E6A75-01B1-4FAB-8E79-A2B134B7DF2F}" type="datetimeFigureOut">
               <a:rPr lang="pt-PT" smtClean="0"/>
-              <a:t>29/10/2020</a:t>
+              <a:t>30/10/2020</a:t>
             </a:fld>
             <a:endParaRPr lang="pt-PT"/>
           </a:p>
@@ -463,7 +517,7 @@
           <p:cNvPr id="5" name="Marcador de Posição do Rodapé 4">
             <a:extLst>
               <a:ext uri="{FF2B5EF4-FFF2-40B4-BE49-F238E27FC236}">
-                <a16:creationId xmlns:a16="http://schemas.microsoft.com/office/drawing/2014/main" id="{E5C565B1-CDA0-4E31-8D8C-2EBE597D78B4}"/>
+                <a16:creationId xmlns:a16="http://schemas.microsoft.com/office/drawing/2014/main" id="{E0DD0987-E200-4DC3-8E04-752FD8D825EA}"/>
               </a:ext>
             </a:extLst>
           </p:cNvPr>
@@ -488,7 +542,7 @@
           <p:cNvPr id="6" name="Marcador de Posição do Número do Diapositivo 5">
             <a:extLst>
               <a:ext uri="{FF2B5EF4-FFF2-40B4-BE49-F238E27FC236}">
-                <a16:creationId xmlns:a16="http://schemas.microsoft.com/office/drawing/2014/main" id="{97266FCF-FE19-4B37-8FAF-72B718CA6A27}"/>
+                <a16:creationId xmlns:a16="http://schemas.microsoft.com/office/drawing/2014/main" id="{EB5D4173-EA90-454B-8A72-FA2C79A5F0FA}"/>
               </a:ext>
             </a:extLst>
           </p:cNvPr>
@@ -515,7 +569,7 @@
     </p:spTree>
     <p:extLst>
       <p:ext uri="{BB962C8B-B14F-4D97-AF65-F5344CB8AC3E}">
-        <p14:creationId xmlns:p14="http://schemas.microsoft.com/office/powerpoint/2010/main" val="1991798831"/>
+        <p14:creationId xmlns:p14="http://schemas.microsoft.com/office/powerpoint/2010/main" val="3497649961"/>
       </p:ext>
     </p:extLst>
   </p:cSld>
@@ -547,7 +601,7 @@
           <p:cNvPr id="2" name="Título Vertical 1">
             <a:extLst>
               <a:ext uri="{FF2B5EF4-FFF2-40B4-BE49-F238E27FC236}">
-                <a16:creationId xmlns:a16="http://schemas.microsoft.com/office/drawing/2014/main" id="{8A569DB9-F649-4CBB-BCB3-E066197E66D5}"/>
+                <a16:creationId xmlns:a16="http://schemas.microsoft.com/office/drawing/2014/main" id="{FB74DAA8-64D4-457A-B4C5-A7814406ECB2}"/>
               </a:ext>
             </a:extLst>
           </p:cNvPr>
@@ -580,7 +634,7 @@
           <p:cNvPr id="3" name="Marcador de Posição de Texto Vertical 2">
             <a:extLst>
               <a:ext uri="{FF2B5EF4-FFF2-40B4-BE49-F238E27FC236}">
-                <a16:creationId xmlns:a16="http://schemas.microsoft.com/office/drawing/2014/main" id="{BBCABF7D-7F3A-4B40-B49D-1CB8B643CF9A}"/>
+                <a16:creationId xmlns:a16="http://schemas.microsoft.com/office/drawing/2014/main" id="{D5A543E0-0EB1-4D78-B7A6-BDA23722E1FF}"/>
               </a:ext>
             </a:extLst>
           </p:cNvPr>
@@ -642,7 +696,7 @@
           <p:cNvPr id="4" name="Marcador de Posição da Data 3">
             <a:extLst>
               <a:ext uri="{FF2B5EF4-FFF2-40B4-BE49-F238E27FC236}">
-                <a16:creationId xmlns:a16="http://schemas.microsoft.com/office/drawing/2014/main" id="{663712D1-9695-4561-AE2A-03A37F75D2C9}"/>
+                <a16:creationId xmlns:a16="http://schemas.microsoft.com/office/drawing/2014/main" id="{E3AED43B-210A-4BDB-92DE-633A4F7E3517}"/>
               </a:ext>
             </a:extLst>
           </p:cNvPr>
@@ -660,7 +714,7 @@
           <a:p>
             <a:fld id="{8D7E6A75-01B1-4FAB-8E79-A2B134B7DF2F}" type="datetimeFigureOut">
               <a:rPr lang="pt-PT" smtClean="0"/>
-              <a:t>29/10/2020</a:t>
+              <a:t>30/10/2020</a:t>
             </a:fld>
             <a:endParaRPr lang="pt-PT"/>
           </a:p>
@@ -671,7 +725,7 @@
           <p:cNvPr id="5" name="Marcador de Posição do Rodapé 4">
             <a:extLst>
               <a:ext uri="{FF2B5EF4-FFF2-40B4-BE49-F238E27FC236}">
-                <a16:creationId xmlns:a16="http://schemas.microsoft.com/office/drawing/2014/main" id="{E134475C-1878-423E-B8A8-C8E8C63D96CE}"/>
+                <a16:creationId xmlns:a16="http://schemas.microsoft.com/office/drawing/2014/main" id="{C3AC5A12-BD07-4465-BD75-1F4CDC8C33AD}"/>
               </a:ext>
             </a:extLst>
           </p:cNvPr>
@@ -696,7 +750,7 @@
           <p:cNvPr id="6" name="Marcador de Posição do Número do Diapositivo 5">
             <a:extLst>
               <a:ext uri="{FF2B5EF4-FFF2-40B4-BE49-F238E27FC236}">
-                <a16:creationId xmlns:a16="http://schemas.microsoft.com/office/drawing/2014/main" id="{F9FD3E16-ABDD-4AED-A7A3-0A1CC2A13764}"/>
+                <a16:creationId xmlns:a16="http://schemas.microsoft.com/office/drawing/2014/main" id="{00BB1C08-E00D-4E67-9BFA-F9A00CD91722}"/>
               </a:ext>
             </a:extLst>
           </p:cNvPr>
@@ -723,7 +777,7 @@
     </p:spTree>
     <p:extLst>
       <p:ext uri="{BB962C8B-B14F-4D97-AF65-F5344CB8AC3E}">
-        <p14:creationId xmlns:p14="http://schemas.microsoft.com/office/powerpoint/2010/main" val="2884233155"/>
+        <p14:creationId xmlns:p14="http://schemas.microsoft.com/office/powerpoint/2010/main" val="2891133034"/>
       </p:ext>
     </p:extLst>
   </p:cSld>
@@ -755,7 +809,7 @@
           <p:cNvPr id="2" name="Título 1">
             <a:extLst>
               <a:ext uri="{FF2B5EF4-FFF2-40B4-BE49-F238E27FC236}">
-                <a16:creationId xmlns:a16="http://schemas.microsoft.com/office/drawing/2014/main" id="{FCEA6DC4-7A4B-4EF0-93FB-7E028EF4858E}"/>
+                <a16:creationId xmlns:a16="http://schemas.microsoft.com/office/drawing/2014/main" id="{B42AECC1-0C9F-4A22-AC85-8391AC1D7BF2}"/>
               </a:ext>
             </a:extLst>
           </p:cNvPr>
@@ -783,7 +837,7 @@
           <p:cNvPr id="3" name="Marcador de Posição de Conteúdo 2">
             <a:extLst>
               <a:ext uri="{FF2B5EF4-FFF2-40B4-BE49-F238E27FC236}">
-                <a16:creationId xmlns:a16="http://schemas.microsoft.com/office/drawing/2014/main" id="{F862479C-3342-4B3B-B534-465105EF4AF9}"/>
+                <a16:creationId xmlns:a16="http://schemas.microsoft.com/office/drawing/2014/main" id="{1E02520C-F34B-46A8-9ABA-B9F4B1B99300}"/>
               </a:ext>
             </a:extLst>
           </p:cNvPr>
@@ -840,7 +894,7 @@
           <p:cNvPr id="4" name="Marcador de Posição da Data 3">
             <a:extLst>
               <a:ext uri="{FF2B5EF4-FFF2-40B4-BE49-F238E27FC236}">
-                <a16:creationId xmlns:a16="http://schemas.microsoft.com/office/drawing/2014/main" id="{AFCCC6FB-30EC-48C8-8AC5-06004EE2E6E5}"/>
+                <a16:creationId xmlns:a16="http://schemas.microsoft.com/office/drawing/2014/main" id="{A4524611-B052-4A74-8D0B-C8B9858EA7BD}"/>
               </a:ext>
             </a:extLst>
           </p:cNvPr>
@@ -858,7 +912,7 @@
           <a:p>
             <a:fld id="{8D7E6A75-01B1-4FAB-8E79-A2B134B7DF2F}" type="datetimeFigureOut">
               <a:rPr lang="pt-PT" smtClean="0"/>
-              <a:t>29/10/2020</a:t>
+              <a:t>30/10/2020</a:t>
             </a:fld>
             <a:endParaRPr lang="pt-PT"/>
           </a:p>
@@ -869,7 +923,7 @@
           <p:cNvPr id="5" name="Marcador de Posição do Rodapé 4">
             <a:extLst>
               <a:ext uri="{FF2B5EF4-FFF2-40B4-BE49-F238E27FC236}">
-                <a16:creationId xmlns:a16="http://schemas.microsoft.com/office/drawing/2014/main" id="{EF365FED-A003-46A7-AE4A-7EA9358D3624}"/>
+                <a16:creationId xmlns:a16="http://schemas.microsoft.com/office/drawing/2014/main" id="{C9AEBECD-1171-4D30-8EB1-FFA203715C1E}"/>
               </a:ext>
             </a:extLst>
           </p:cNvPr>
@@ -894,7 +948,7 @@
           <p:cNvPr id="6" name="Marcador de Posição do Número do Diapositivo 5">
             <a:extLst>
               <a:ext uri="{FF2B5EF4-FFF2-40B4-BE49-F238E27FC236}">
-                <a16:creationId xmlns:a16="http://schemas.microsoft.com/office/drawing/2014/main" id="{BA8906D4-371E-4A7B-8429-626083287101}"/>
+                <a16:creationId xmlns:a16="http://schemas.microsoft.com/office/drawing/2014/main" id="{92677AE2-0949-4F8E-A50E-4F9D48C93E8F}"/>
               </a:ext>
             </a:extLst>
           </p:cNvPr>
@@ -918,10 +972,55 @@
           </a:p>
         </p:txBody>
       </p:sp>
+      <p:pic>
+        <p:nvPicPr>
+          <p:cNvPr id="10" name="Imagem 9">
+            <a:extLst>
+              <a:ext uri="{FF2B5EF4-FFF2-40B4-BE49-F238E27FC236}">
+                <a16:creationId xmlns:a16="http://schemas.microsoft.com/office/drawing/2014/main" id="{423BFDEC-946B-48A3-A8B4-B7611E6F0A2D}"/>
+              </a:ext>
+            </a:extLst>
+          </p:cNvPr>
+          <p:cNvPicPr>
+            <a:picLocks noChangeAspect="1"/>
+          </p:cNvPicPr>
+          <p:nvPr userDrawn="1"/>
+        </p:nvPicPr>
+        <p:blipFill>
+          <a:blip r:embed="rId2">
+            <a:extLst>
+              <a:ext uri="{BEBA8EAE-BF5A-486C-A8C5-ECC9F3942E4B}">
+                <a14:imgProps xmlns:a14="http://schemas.microsoft.com/office/drawing/2010/main">
+                  <a14:imgLayer r:embed="rId3">
+                    <a14:imgEffect>
+                      <a14:backgroundRemoval t="0" b="100000" l="1000" r="100000"/>
+                    </a14:imgEffect>
+                  </a14:imgLayer>
+                </a14:imgProps>
+              </a:ext>
+              <a:ext uri="{28A0092B-C50C-407E-A947-70E740481C1C}">
+                <a14:useLocalDpi xmlns:a14="http://schemas.microsoft.com/office/drawing/2010/main" val="0"/>
+              </a:ext>
+            </a:extLst>
+          </a:blip>
+          <a:stretch>
+            <a:fillRect/>
+          </a:stretch>
+        </p:blipFill>
+        <p:spPr>
+          <a:xfrm>
+            <a:off x="10845883" y="365125"/>
+            <a:ext cx="1015833" cy="1106129"/>
+          </a:xfrm>
+          <a:prstGeom prst="rect">
+            <a:avLst/>
+          </a:prstGeom>
+        </p:spPr>
+      </p:pic>
     </p:spTree>
     <p:extLst>
       <p:ext uri="{BB962C8B-B14F-4D97-AF65-F5344CB8AC3E}">
-        <p14:creationId xmlns:p14="http://schemas.microsoft.com/office/powerpoint/2010/main" val="3416095235"/>
+        <p14:creationId xmlns:p14="http://schemas.microsoft.com/office/powerpoint/2010/main" val="4102641501"/>
       </p:ext>
     </p:extLst>
   </p:cSld>
@@ -953,7 +1052,7 @@
           <p:cNvPr id="2" name="Título 1">
             <a:extLst>
               <a:ext uri="{FF2B5EF4-FFF2-40B4-BE49-F238E27FC236}">
-                <a16:creationId xmlns:a16="http://schemas.microsoft.com/office/drawing/2014/main" id="{9387FC2C-CCA9-4E7B-85D0-77F3FC4B67C5}"/>
+                <a16:creationId xmlns:a16="http://schemas.microsoft.com/office/drawing/2014/main" id="{45A94E45-51CB-4EFD-ABB0-1EB095051B09}"/>
               </a:ext>
             </a:extLst>
           </p:cNvPr>
@@ -990,7 +1089,7 @@
           <p:cNvPr id="3" name="Marcador de Posição do Texto 2">
             <a:extLst>
               <a:ext uri="{FF2B5EF4-FFF2-40B4-BE49-F238E27FC236}">
-                <a16:creationId xmlns:a16="http://schemas.microsoft.com/office/drawing/2014/main" id="{7E293683-C41C-47FB-B9A9-4EE93F002F11}"/>
+                <a16:creationId xmlns:a16="http://schemas.microsoft.com/office/drawing/2014/main" id="{23F4A56C-D085-4D0B-B192-4663C232409C}"/>
               </a:ext>
             </a:extLst>
           </p:cNvPr>
@@ -1115,7 +1214,7 @@
           <p:cNvPr id="4" name="Marcador de Posição da Data 3">
             <a:extLst>
               <a:ext uri="{FF2B5EF4-FFF2-40B4-BE49-F238E27FC236}">
-                <a16:creationId xmlns:a16="http://schemas.microsoft.com/office/drawing/2014/main" id="{24441D22-CEB9-42A8-9DEE-ABEAB31A348B}"/>
+                <a16:creationId xmlns:a16="http://schemas.microsoft.com/office/drawing/2014/main" id="{29C658A7-DDA1-432F-BE9A-65B3D5D3EE64}"/>
               </a:ext>
             </a:extLst>
           </p:cNvPr>
@@ -1133,7 +1232,7 @@
           <a:p>
             <a:fld id="{8D7E6A75-01B1-4FAB-8E79-A2B134B7DF2F}" type="datetimeFigureOut">
               <a:rPr lang="pt-PT" smtClean="0"/>
-              <a:t>29/10/2020</a:t>
+              <a:t>30/10/2020</a:t>
             </a:fld>
             <a:endParaRPr lang="pt-PT"/>
           </a:p>
@@ -1144,7 +1243,7 @@
           <p:cNvPr id="5" name="Marcador de Posição do Rodapé 4">
             <a:extLst>
               <a:ext uri="{FF2B5EF4-FFF2-40B4-BE49-F238E27FC236}">
-                <a16:creationId xmlns:a16="http://schemas.microsoft.com/office/drawing/2014/main" id="{D89A1B7D-F05E-44F0-B977-D77C3334AE82}"/>
+                <a16:creationId xmlns:a16="http://schemas.microsoft.com/office/drawing/2014/main" id="{C9046484-7207-41D7-B8D4-23075A13EB8F}"/>
               </a:ext>
             </a:extLst>
           </p:cNvPr>
@@ -1169,7 +1268,7 @@
           <p:cNvPr id="6" name="Marcador de Posição do Número do Diapositivo 5">
             <a:extLst>
               <a:ext uri="{FF2B5EF4-FFF2-40B4-BE49-F238E27FC236}">
-                <a16:creationId xmlns:a16="http://schemas.microsoft.com/office/drawing/2014/main" id="{E8C6028E-30BF-44F3-A15E-875D42FBB356}"/>
+                <a16:creationId xmlns:a16="http://schemas.microsoft.com/office/drawing/2014/main" id="{E48BF928-C75F-440F-BC04-551C681C8AFF}"/>
               </a:ext>
             </a:extLst>
           </p:cNvPr>
@@ -1196,7 +1295,7 @@
     </p:spTree>
     <p:extLst>
       <p:ext uri="{BB962C8B-B14F-4D97-AF65-F5344CB8AC3E}">
-        <p14:creationId xmlns:p14="http://schemas.microsoft.com/office/powerpoint/2010/main" val="1971992541"/>
+        <p14:creationId xmlns:p14="http://schemas.microsoft.com/office/powerpoint/2010/main" val="2907456242"/>
       </p:ext>
     </p:extLst>
   </p:cSld>
@@ -1228,7 +1327,7 @@
           <p:cNvPr id="2" name="Título 1">
             <a:extLst>
               <a:ext uri="{FF2B5EF4-FFF2-40B4-BE49-F238E27FC236}">
-                <a16:creationId xmlns:a16="http://schemas.microsoft.com/office/drawing/2014/main" id="{9E978B53-5455-4EB9-B5AA-76899D6D612E}"/>
+                <a16:creationId xmlns:a16="http://schemas.microsoft.com/office/drawing/2014/main" id="{E137CB1F-62D7-4C89-B46F-C2C453BE7F0A}"/>
               </a:ext>
             </a:extLst>
           </p:cNvPr>
@@ -1256,7 +1355,7 @@
           <p:cNvPr id="3" name="Marcador de Posição de Conteúdo 2">
             <a:extLst>
               <a:ext uri="{FF2B5EF4-FFF2-40B4-BE49-F238E27FC236}">
-                <a16:creationId xmlns:a16="http://schemas.microsoft.com/office/drawing/2014/main" id="{B0597260-D72A-4C66-A5C4-B3FB2338D127}"/>
+                <a16:creationId xmlns:a16="http://schemas.microsoft.com/office/drawing/2014/main" id="{46341E6A-6AFD-421C-A7B9-05FFA9337144}"/>
               </a:ext>
             </a:extLst>
           </p:cNvPr>
@@ -1318,7 +1417,7 @@
           <p:cNvPr id="4" name="Marcador de Posição de Conteúdo 3">
             <a:extLst>
               <a:ext uri="{FF2B5EF4-FFF2-40B4-BE49-F238E27FC236}">
-                <a16:creationId xmlns:a16="http://schemas.microsoft.com/office/drawing/2014/main" id="{461AE9C5-4F14-468B-9BFE-30C5CFFD6F75}"/>
+                <a16:creationId xmlns:a16="http://schemas.microsoft.com/office/drawing/2014/main" id="{B84C1BFE-8617-462A-A45D-DF9B80EEE431}"/>
               </a:ext>
             </a:extLst>
           </p:cNvPr>
@@ -1380,7 +1479,7 @@
           <p:cNvPr id="5" name="Marcador de Posição da Data 4">
             <a:extLst>
               <a:ext uri="{FF2B5EF4-FFF2-40B4-BE49-F238E27FC236}">
-                <a16:creationId xmlns:a16="http://schemas.microsoft.com/office/drawing/2014/main" id="{94291DEA-E363-4275-B441-604C7C72F358}"/>
+                <a16:creationId xmlns:a16="http://schemas.microsoft.com/office/drawing/2014/main" id="{7E6C4DD6-4CDE-4AED-B7AC-2CCF9D01581E}"/>
               </a:ext>
             </a:extLst>
           </p:cNvPr>
@@ -1398,7 +1497,7 @@
           <a:p>
             <a:fld id="{8D7E6A75-01B1-4FAB-8E79-A2B134B7DF2F}" type="datetimeFigureOut">
               <a:rPr lang="pt-PT" smtClean="0"/>
-              <a:t>29/10/2020</a:t>
+              <a:t>30/10/2020</a:t>
             </a:fld>
             <a:endParaRPr lang="pt-PT"/>
           </a:p>
@@ -1409,7 +1508,7 @@
           <p:cNvPr id="6" name="Marcador de Posição do Rodapé 5">
             <a:extLst>
               <a:ext uri="{FF2B5EF4-FFF2-40B4-BE49-F238E27FC236}">
-                <a16:creationId xmlns:a16="http://schemas.microsoft.com/office/drawing/2014/main" id="{D0E2872C-366E-4213-9FED-E8F118768A09}"/>
+                <a16:creationId xmlns:a16="http://schemas.microsoft.com/office/drawing/2014/main" id="{58DCB4A7-6C9B-48EE-B43B-7C276389C0A4}"/>
               </a:ext>
             </a:extLst>
           </p:cNvPr>
@@ -1434,7 +1533,7 @@
           <p:cNvPr id="7" name="Marcador de Posição do Número do Diapositivo 6">
             <a:extLst>
               <a:ext uri="{FF2B5EF4-FFF2-40B4-BE49-F238E27FC236}">
-                <a16:creationId xmlns:a16="http://schemas.microsoft.com/office/drawing/2014/main" id="{3782C646-410B-4077-B19F-B42AAD86FDE6}"/>
+                <a16:creationId xmlns:a16="http://schemas.microsoft.com/office/drawing/2014/main" id="{E5C4B36F-EA61-495F-8C14-C4A25EDB3408}"/>
               </a:ext>
             </a:extLst>
           </p:cNvPr>
@@ -1461,7 +1560,7 @@
     </p:spTree>
     <p:extLst>
       <p:ext uri="{BB962C8B-B14F-4D97-AF65-F5344CB8AC3E}">
-        <p14:creationId xmlns:p14="http://schemas.microsoft.com/office/powerpoint/2010/main" val="3722096267"/>
+        <p14:creationId xmlns:p14="http://schemas.microsoft.com/office/powerpoint/2010/main" val="1694868752"/>
       </p:ext>
     </p:extLst>
   </p:cSld>
@@ -1493,7 +1592,7 @@
           <p:cNvPr id="2" name="Título 1">
             <a:extLst>
               <a:ext uri="{FF2B5EF4-FFF2-40B4-BE49-F238E27FC236}">
-                <a16:creationId xmlns:a16="http://schemas.microsoft.com/office/drawing/2014/main" id="{6F67C39C-16A4-4A2A-BF5A-4AB88169F166}"/>
+                <a16:creationId xmlns:a16="http://schemas.microsoft.com/office/drawing/2014/main" id="{2F02983C-2454-4497-810F-9D32657E2987}"/>
               </a:ext>
             </a:extLst>
           </p:cNvPr>
@@ -1526,7 +1625,7 @@
           <p:cNvPr id="3" name="Marcador de Posição do Texto 2">
             <a:extLst>
               <a:ext uri="{FF2B5EF4-FFF2-40B4-BE49-F238E27FC236}">
-                <a16:creationId xmlns:a16="http://schemas.microsoft.com/office/drawing/2014/main" id="{3AB91709-4534-4AD1-B172-2F848F918CA3}"/>
+                <a16:creationId xmlns:a16="http://schemas.microsoft.com/office/drawing/2014/main" id="{8DBD26BB-1A26-4CBF-A74F-DC6F1609E402}"/>
               </a:ext>
             </a:extLst>
           </p:cNvPr>
@@ -1597,7 +1696,7 @@
           <p:cNvPr id="4" name="Marcador de Posição de Conteúdo 3">
             <a:extLst>
               <a:ext uri="{FF2B5EF4-FFF2-40B4-BE49-F238E27FC236}">
-                <a16:creationId xmlns:a16="http://schemas.microsoft.com/office/drawing/2014/main" id="{A8CF38D4-09A6-4B47-A93C-A34035AFBADA}"/>
+                <a16:creationId xmlns:a16="http://schemas.microsoft.com/office/drawing/2014/main" id="{D4844145-9232-4DFB-874F-1CED5E22C751}"/>
               </a:ext>
             </a:extLst>
           </p:cNvPr>
@@ -1659,7 +1758,7 @@
           <p:cNvPr id="5" name="Marcador de Posição do Texto 4">
             <a:extLst>
               <a:ext uri="{FF2B5EF4-FFF2-40B4-BE49-F238E27FC236}">
-                <a16:creationId xmlns:a16="http://schemas.microsoft.com/office/drawing/2014/main" id="{DE4EA7B8-07BD-4F16-B627-35449BAFAF4F}"/>
+                <a16:creationId xmlns:a16="http://schemas.microsoft.com/office/drawing/2014/main" id="{98FEF7A4-4895-4D30-98F5-5C821DC6FAFD}"/>
               </a:ext>
             </a:extLst>
           </p:cNvPr>
@@ -1730,7 +1829,7 @@
           <p:cNvPr id="6" name="Marcador de Posição de Conteúdo 5">
             <a:extLst>
               <a:ext uri="{FF2B5EF4-FFF2-40B4-BE49-F238E27FC236}">
-                <a16:creationId xmlns:a16="http://schemas.microsoft.com/office/drawing/2014/main" id="{F00C25B6-2628-415A-98CE-1889FE260504}"/>
+                <a16:creationId xmlns:a16="http://schemas.microsoft.com/office/drawing/2014/main" id="{6F2B926F-633D-47F0-85E7-4220144F9C74}"/>
               </a:ext>
             </a:extLst>
           </p:cNvPr>
@@ -1792,7 +1891,7 @@
           <p:cNvPr id="7" name="Marcador de Posição da Data 6">
             <a:extLst>
               <a:ext uri="{FF2B5EF4-FFF2-40B4-BE49-F238E27FC236}">
-                <a16:creationId xmlns:a16="http://schemas.microsoft.com/office/drawing/2014/main" id="{1C50472B-FBFE-4A30-8EAB-66520B34F477}"/>
+                <a16:creationId xmlns:a16="http://schemas.microsoft.com/office/drawing/2014/main" id="{0CD6D33C-6D32-4B87-B372-DDA03F0D2826}"/>
               </a:ext>
             </a:extLst>
           </p:cNvPr>
@@ -1810,7 +1909,7 @@
           <a:p>
             <a:fld id="{8D7E6A75-01B1-4FAB-8E79-A2B134B7DF2F}" type="datetimeFigureOut">
               <a:rPr lang="pt-PT" smtClean="0"/>
-              <a:t>29/10/2020</a:t>
+              <a:t>30/10/2020</a:t>
             </a:fld>
             <a:endParaRPr lang="pt-PT"/>
           </a:p>
@@ -1821,7 +1920,7 @@
           <p:cNvPr id="8" name="Marcador de Posição do Rodapé 7">
             <a:extLst>
               <a:ext uri="{FF2B5EF4-FFF2-40B4-BE49-F238E27FC236}">
-                <a16:creationId xmlns:a16="http://schemas.microsoft.com/office/drawing/2014/main" id="{09626370-EDE0-4355-A108-97CCF133D5EB}"/>
+                <a16:creationId xmlns:a16="http://schemas.microsoft.com/office/drawing/2014/main" id="{52DA72AA-8AAE-4CE8-9C2C-AF688D4FEF7A}"/>
               </a:ext>
             </a:extLst>
           </p:cNvPr>
@@ -1846,7 +1945,7 @@
           <p:cNvPr id="9" name="Marcador de Posição do Número do Diapositivo 8">
             <a:extLst>
               <a:ext uri="{FF2B5EF4-FFF2-40B4-BE49-F238E27FC236}">
-                <a16:creationId xmlns:a16="http://schemas.microsoft.com/office/drawing/2014/main" id="{A72C42A6-7D06-4289-AF58-ABD65B3A9824}"/>
+                <a16:creationId xmlns:a16="http://schemas.microsoft.com/office/drawing/2014/main" id="{F2C5F641-0045-491E-A183-6F81AEDD7B79}"/>
               </a:ext>
             </a:extLst>
           </p:cNvPr>
@@ -1873,7 +1972,7 @@
     </p:spTree>
     <p:extLst>
       <p:ext uri="{BB962C8B-B14F-4D97-AF65-F5344CB8AC3E}">
-        <p14:creationId xmlns:p14="http://schemas.microsoft.com/office/powerpoint/2010/main" val="2809900788"/>
+        <p14:creationId xmlns:p14="http://schemas.microsoft.com/office/powerpoint/2010/main" val="3536746324"/>
       </p:ext>
     </p:extLst>
   </p:cSld>
@@ -1905,7 +2004,7 @@
           <p:cNvPr id="2" name="Título 1">
             <a:extLst>
               <a:ext uri="{FF2B5EF4-FFF2-40B4-BE49-F238E27FC236}">
-                <a16:creationId xmlns:a16="http://schemas.microsoft.com/office/drawing/2014/main" id="{4E9CCFE1-DEB5-4E05-BD26-A9215ADA9134}"/>
+                <a16:creationId xmlns:a16="http://schemas.microsoft.com/office/drawing/2014/main" id="{8BE542B1-9BE6-4789-A080-0B2AAA8205DD}"/>
               </a:ext>
             </a:extLst>
           </p:cNvPr>
@@ -1933,7 +2032,7 @@
           <p:cNvPr id="3" name="Marcador de Posição da Data 2">
             <a:extLst>
               <a:ext uri="{FF2B5EF4-FFF2-40B4-BE49-F238E27FC236}">
-                <a16:creationId xmlns:a16="http://schemas.microsoft.com/office/drawing/2014/main" id="{A98F4FC7-8FBE-4042-B198-8810400897F2}"/>
+                <a16:creationId xmlns:a16="http://schemas.microsoft.com/office/drawing/2014/main" id="{C143E990-D72C-4077-B049-0A15181B0023}"/>
               </a:ext>
             </a:extLst>
           </p:cNvPr>
@@ -1951,7 +2050,7 @@
           <a:p>
             <a:fld id="{8D7E6A75-01B1-4FAB-8E79-A2B134B7DF2F}" type="datetimeFigureOut">
               <a:rPr lang="pt-PT" smtClean="0"/>
-              <a:t>29/10/2020</a:t>
+              <a:t>30/10/2020</a:t>
             </a:fld>
             <a:endParaRPr lang="pt-PT"/>
           </a:p>
@@ -1962,7 +2061,7 @@
           <p:cNvPr id="4" name="Marcador de Posição do Rodapé 3">
             <a:extLst>
               <a:ext uri="{FF2B5EF4-FFF2-40B4-BE49-F238E27FC236}">
-                <a16:creationId xmlns:a16="http://schemas.microsoft.com/office/drawing/2014/main" id="{9C6A6E30-5AFB-4D21-983B-919782C97804}"/>
+                <a16:creationId xmlns:a16="http://schemas.microsoft.com/office/drawing/2014/main" id="{78E9CBAE-F6AB-4651-8BB4-D4D49AF721F7}"/>
               </a:ext>
             </a:extLst>
           </p:cNvPr>
@@ -1987,7 +2086,7 @@
           <p:cNvPr id="5" name="Marcador de Posição do Número do Diapositivo 4">
             <a:extLst>
               <a:ext uri="{FF2B5EF4-FFF2-40B4-BE49-F238E27FC236}">
-                <a16:creationId xmlns:a16="http://schemas.microsoft.com/office/drawing/2014/main" id="{6366CD86-29A2-43AF-AD3C-C990E147CEB9}"/>
+                <a16:creationId xmlns:a16="http://schemas.microsoft.com/office/drawing/2014/main" id="{79E02E79-5D8A-4D72-954A-52867E3D3EFC}"/>
               </a:ext>
             </a:extLst>
           </p:cNvPr>
@@ -2014,7 +2113,7 @@
     </p:spTree>
     <p:extLst>
       <p:ext uri="{BB962C8B-B14F-4D97-AF65-F5344CB8AC3E}">
-        <p14:creationId xmlns:p14="http://schemas.microsoft.com/office/powerpoint/2010/main" val="1985130491"/>
+        <p14:creationId xmlns:p14="http://schemas.microsoft.com/office/powerpoint/2010/main" val="2841698623"/>
       </p:ext>
     </p:extLst>
   </p:cSld>
@@ -2046,7 +2145,7 @@
           <p:cNvPr id="2" name="Marcador de Posição da Data 1">
             <a:extLst>
               <a:ext uri="{FF2B5EF4-FFF2-40B4-BE49-F238E27FC236}">
-                <a16:creationId xmlns:a16="http://schemas.microsoft.com/office/drawing/2014/main" id="{81348C76-23D8-4CF9-A6B6-3DC61F9B2431}"/>
+                <a16:creationId xmlns:a16="http://schemas.microsoft.com/office/drawing/2014/main" id="{0765D6D0-E39B-4072-BEBB-209D062DD6FC}"/>
               </a:ext>
             </a:extLst>
           </p:cNvPr>
@@ -2064,7 +2163,7 @@
           <a:p>
             <a:fld id="{8D7E6A75-01B1-4FAB-8E79-A2B134B7DF2F}" type="datetimeFigureOut">
               <a:rPr lang="pt-PT" smtClean="0"/>
-              <a:t>29/10/2020</a:t>
+              <a:t>30/10/2020</a:t>
             </a:fld>
             <a:endParaRPr lang="pt-PT"/>
           </a:p>
@@ -2075,7 +2174,7 @@
           <p:cNvPr id="3" name="Marcador de Posição do Rodapé 2">
             <a:extLst>
               <a:ext uri="{FF2B5EF4-FFF2-40B4-BE49-F238E27FC236}">
-                <a16:creationId xmlns:a16="http://schemas.microsoft.com/office/drawing/2014/main" id="{E44CE2A6-3559-41CE-9F36-249F344DD087}"/>
+                <a16:creationId xmlns:a16="http://schemas.microsoft.com/office/drawing/2014/main" id="{8107F70A-8E35-4BBE-87BE-4CF5B3126320}"/>
               </a:ext>
             </a:extLst>
           </p:cNvPr>
@@ -2100,7 +2199,7 @@
           <p:cNvPr id="4" name="Marcador de Posição do Número do Diapositivo 3">
             <a:extLst>
               <a:ext uri="{FF2B5EF4-FFF2-40B4-BE49-F238E27FC236}">
-                <a16:creationId xmlns:a16="http://schemas.microsoft.com/office/drawing/2014/main" id="{DCC7D84E-93B4-45ED-9376-77B58CCB641A}"/>
+                <a16:creationId xmlns:a16="http://schemas.microsoft.com/office/drawing/2014/main" id="{812BBA96-7DE9-47E8-8E99-40CC98A9AA8D}"/>
               </a:ext>
             </a:extLst>
           </p:cNvPr>
@@ -2127,7 +2226,7 @@
     </p:spTree>
     <p:extLst>
       <p:ext uri="{BB962C8B-B14F-4D97-AF65-F5344CB8AC3E}">
-        <p14:creationId xmlns:p14="http://schemas.microsoft.com/office/powerpoint/2010/main" val="1780874359"/>
+        <p14:creationId xmlns:p14="http://schemas.microsoft.com/office/powerpoint/2010/main" val="4159931912"/>
       </p:ext>
     </p:extLst>
   </p:cSld>
@@ -2159,7 +2258,7 @@
           <p:cNvPr id="2" name="Título 1">
             <a:extLst>
               <a:ext uri="{FF2B5EF4-FFF2-40B4-BE49-F238E27FC236}">
-                <a16:creationId xmlns:a16="http://schemas.microsoft.com/office/drawing/2014/main" id="{B6307939-0781-46AA-AF61-393D6F89E88A}"/>
+                <a16:creationId xmlns:a16="http://schemas.microsoft.com/office/drawing/2014/main" id="{04AE34E6-7B0C-4BC3-AE64-89A9821833E9}"/>
               </a:ext>
             </a:extLst>
           </p:cNvPr>
@@ -2196,7 +2295,7 @@
           <p:cNvPr id="3" name="Marcador de Posição de Conteúdo 2">
             <a:extLst>
               <a:ext uri="{FF2B5EF4-FFF2-40B4-BE49-F238E27FC236}">
-                <a16:creationId xmlns:a16="http://schemas.microsoft.com/office/drawing/2014/main" id="{BAB6C12A-235B-443B-BDE2-94131AD182C5}"/>
+                <a16:creationId xmlns:a16="http://schemas.microsoft.com/office/drawing/2014/main" id="{A458ED20-75C4-4B5F-83E2-A9D6B18C6891}"/>
               </a:ext>
             </a:extLst>
           </p:cNvPr>
@@ -2286,7 +2385,7 @@
           <p:cNvPr id="4" name="Marcador de Posição do Texto 3">
             <a:extLst>
               <a:ext uri="{FF2B5EF4-FFF2-40B4-BE49-F238E27FC236}">
-                <a16:creationId xmlns:a16="http://schemas.microsoft.com/office/drawing/2014/main" id="{1574560C-9007-4F7D-B143-E360E96274D4}"/>
+                <a16:creationId xmlns:a16="http://schemas.microsoft.com/office/drawing/2014/main" id="{023FE5E1-9817-4E3D-8AD9-CF38D2E76FF4}"/>
               </a:ext>
             </a:extLst>
           </p:cNvPr>
@@ -2357,7 +2456,7 @@
           <p:cNvPr id="5" name="Marcador de Posição da Data 4">
             <a:extLst>
               <a:ext uri="{FF2B5EF4-FFF2-40B4-BE49-F238E27FC236}">
-                <a16:creationId xmlns:a16="http://schemas.microsoft.com/office/drawing/2014/main" id="{01DC9B54-E5ED-400E-B42C-05CA1A36907A}"/>
+                <a16:creationId xmlns:a16="http://schemas.microsoft.com/office/drawing/2014/main" id="{9D2C38FD-5815-4E9B-9BFF-F163525E44CD}"/>
               </a:ext>
             </a:extLst>
           </p:cNvPr>
@@ -2375,7 +2474,7 @@
           <a:p>
             <a:fld id="{8D7E6A75-01B1-4FAB-8E79-A2B134B7DF2F}" type="datetimeFigureOut">
               <a:rPr lang="pt-PT" smtClean="0"/>
-              <a:t>29/10/2020</a:t>
+              <a:t>30/10/2020</a:t>
             </a:fld>
             <a:endParaRPr lang="pt-PT"/>
           </a:p>
@@ -2386,7 +2485,7 @@
           <p:cNvPr id="6" name="Marcador de Posição do Rodapé 5">
             <a:extLst>
               <a:ext uri="{FF2B5EF4-FFF2-40B4-BE49-F238E27FC236}">
-                <a16:creationId xmlns:a16="http://schemas.microsoft.com/office/drawing/2014/main" id="{4A5B1225-82CA-44B1-890D-1E665B8C711B}"/>
+                <a16:creationId xmlns:a16="http://schemas.microsoft.com/office/drawing/2014/main" id="{4CC29CED-65A0-4435-9DD2-54F097CA0153}"/>
               </a:ext>
             </a:extLst>
           </p:cNvPr>
@@ -2411,7 +2510,7 @@
           <p:cNvPr id="7" name="Marcador de Posição do Número do Diapositivo 6">
             <a:extLst>
               <a:ext uri="{FF2B5EF4-FFF2-40B4-BE49-F238E27FC236}">
-                <a16:creationId xmlns:a16="http://schemas.microsoft.com/office/drawing/2014/main" id="{F548D5BC-85FF-43C1-8CD3-29DA2672A61D}"/>
+                <a16:creationId xmlns:a16="http://schemas.microsoft.com/office/drawing/2014/main" id="{5A9072DD-C9EA-41D3-8660-F55EDAD3753E}"/>
               </a:ext>
             </a:extLst>
           </p:cNvPr>
@@ -2438,7 +2537,7 @@
     </p:spTree>
     <p:extLst>
       <p:ext uri="{BB962C8B-B14F-4D97-AF65-F5344CB8AC3E}">
-        <p14:creationId xmlns:p14="http://schemas.microsoft.com/office/powerpoint/2010/main" val="1381515671"/>
+        <p14:creationId xmlns:p14="http://schemas.microsoft.com/office/powerpoint/2010/main" val="1394293855"/>
       </p:ext>
     </p:extLst>
   </p:cSld>
@@ -2470,7 +2569,7 @@
           <p:cNvPr id="2" name="Título 1">
             <a:extLst>
               <a:ext uri="{FF2B5EF4-FFF2-40B4-BE49-F238E27FC236}">
-                <a16:creationId xmlns:a16="http://schemas.microsoft.com/office/drawing/2014/main" id="{A915B6A2-8405-4643-A97F-C94EC4D3C73E}"/>
+                <a16:creationId xmlns:a16="http://schemas.microsoft.com/office/drawing/2014/main" id="{83CAF2E6-CAAE-4EBC-939C-80DC03DDDC2B}"/>
               </a:ext>
             </a:extLst>
           </p:cNvPr>
@@ -2507,7 +2606,7 @@
           <p:cNvPr id="3" name="Marcador de Posição da Imagem 2">
             <a:extLst>
               <a:ext uri="{FF2B5EF4-FFF2-40B4-BE49-F238E27FC236}">
-                <a16:creationId xmlns:a16="http://schemas.microsoft.com/office/drawing/2014/main" id="{43EA670C-8EF3-4459-A840-88355C95F1D6}"/>
+                <a16:creationId xmlns:a16="http://schemas.microsoft.com/office/drawing/2014/main" id="{122851E2-F460-4C1E-AFF9-E4E57ACC3D8D}"/>
               </a:ext>
             </a:extLst>
           </p:cNvPr>
@@ -2574,7 +2673,7 @@
           <p:cNvPr id="4" name="Marcador de Posição do Texto 3">
             <a:extLst>
               <a:ext uri="{FF2B5EF4-FFF2-40B4-BE49-F238E27FC236}">
-                <a16:creationId xmlns:a16="http://schemas.microsoft.com/office/drawing/2014/main" id="{C4823B44-E6FB-494F-9B51-A7A81CE1223C}"/>
+                <a16:creationId xmlns:a16="http://schemas.microsoft.com/office/drawing/2014/main" id="{E3A15E42-D5A1-4AC6-8A77-C523E967000A}"/>
               </a:ext>
             </a:extLst>
           </p:cNvPr>
@@ -2645,7 +2744,7 @@
           <p:cNvPr id="5" name="Marcador de Posição da Data 4">
             <a:extLst>
               <a:ext uri="{FF2B5EF4-FFF2-40B4-BE49-F238E27FC236}">
-                <a16:creationId xmlns:a16="http://schemas.microsoft.com/office/drawing/2014/main" id="{E7FB39E6-A707-4761-B8B7-C13A5D2344E6}"/>
+                <a16:creationId xmlns:a16="http://schemas.microsoft.com/office/drawing/2014/main" id="{13B138B2-7DCA-4859-B18C-98F33DABC7EF}"/>
               </a:ext>
             </a:extLst>
           </p:cNvPr>
@@ -2663,7 +2762,7 @@
           <a:p>
             <a:fld id="{8D7E6A75-01B1-4FAB-8E79-A2B134B7DF2F}" type="datetimeFigureOut">
               <a:rPr lang="pt-PT" smtClean="0"/>
-              <a:t>29/10/2020</a:t>
+              <a:t>30/10/2020</a:t>
             </a:fld>
             <a:endParaRPr lang="pt-PT"/>
           </a:p>
@@ -2674,7 +2773,7 @@
           <p:cNvPr id="6" name="Marcador de Posição do Rodapé 5">
             <a:extLst>
               <a:ext uri="{FF2B5EF4-FFF2-40B4-BE49-F238E27FC236}">
-                <a16:creationId xmlns:a16="http://schemas.microsoft.com/office/drawing/2014/main" id="{3B3B5773-439B-49AD-93F6-047E0CEB3139}"/>
+                <a16:creationId xmlns:a16="http://schemas.microsoft.com/office/drawing/2014/main" id="{3E3E8EB8-900E-45D4-A4A3-C93F237CF99E}"/>
               </a:ext>
             </a:extLst>
           </p:cNvPr>
@@ -2699,7 +2798,7 @@
           <p:cNvPr id="7" name="Marcador de Posição do Número do Diapositivo 6">
             <a:extLst>
               <a:ext uri="{FF2B5EF4-FFF2-40B4-BE49-F238E27FC236}">
-                <a16:creationId xmlns:a16="http://schemas.microsoft.com/office/drawing/2014/main" id="{D94F73C3-CAB3-45D3-9BEE-A1CBC77804AD}"/>
+                <a16:creationId xmlns:a16="http://schemas.microsoft.com/office/drawing/2014/main" id="{B36A37B1-CC4B-4D8E-9637-06A77E10527B}"/>
               </a:ext>
             </a:extLst>
           </p:cNvPr>
@@ -2726,7 +2825,7 @@
     </p:spTree>
     <p:extLst>
       <p:ext uri="{BB962C8B-B14F-4D97-AF65-F5344CB8AC3E}">
-        <p14:creationId xmlns:p14="http://schemas.microsoft.com/office/powerpoint/2010/main" val="2065717714"/>
+        <p14:creationId xmlns:p14="http://schemas.microsoft.com/office/powerpoint/2010/main" val="1490071035"/>
       </p:ext>
     </p:extLst>
   </p:cSld>
@@ -2763,7 +2862,7 @@
           <p:cNvPr id="2" name="Marcador de Posição do Título 1">
             <a:extLst>
               <a:ext uri="{FF2B5EF4-FFF2-40B4-BE49-F238E27FC236}">
-                <a16:creationId xmlns:a16="http://schemas.microsoft.com/office/drawing/2014/main" id="{FE26A2E7-D5BE-4E6F-9286-1E04B3711FF2}"/>
+                <a16:creationId xmlns:a16="http://schemas.microsoft.com/office/drawing/2014/main" id="{B24940A4-1896-41F6-B97B-59FFFDE39D17}"/>
               </a:ext>
             </a:extLst>
           </p:cNvPr>
@@ -2801,7 +2900,7 @@
           <p:cNvPr id="3" name="Marcador de Posição do Texto 2">
             <a:extLst>
               <a:ext uri="{FF2B5EF4-FFF2-40B4-BE49-F238E27FC236}">
-                <a16:creationId xmlns:a16="http://schemas.microsoft.com/office/drawing/2014/main" id="{8222B78C-CD62-401E-8BAD-16B4B45623B4}"/>
+                <a16:creationId xmlns:a16="http://schemas.microsoft.com/office/drawing/2014/main" id="{9151F56A-EDAA-4525-A067-F96588B6075B}"/>
               </a:ext>
             </a:extLst>
           </p:cNvPr>
@@ -2868,7 +2967,7 @@
           <p:cNvPr id="4" name="Marcador de Posição da Data 3">
             <a:extLst>
               <a:ext uri="{FF2B5EF4-FFF2-40B4-BE49-F238E27FC236}">
-                <a16:creationId xmlns:a16="http://schemas.microsoft.com/office/drawing/2014/main" id="{574A0A1A-BF8D-46B5-90C2-B7AB94678E84}"/>
+                <a16:creationId xmlns:a16="http://schemas.microsoft.com/office/drawing/2014/main" id="{4B5AC1A2-9D99-4507-AD1E-B3D56774561D}"/>
               </a:ext>
             </a:extLst>
           </p:cNvPr>
@@ -2904,7 +3003,7 @@
           <a:p>
             <a:fld id="{8D7E6A75-01B1-4FAB-8E79-A2B134B7DF2F}" type="datetimeFigureOut">
               <a:rPr lang="pt-PT" smtClean="0"/>
-              <a:t>29/10/2020</a:t>
+              <a:t>30/10/2020</a:t>
             </a:fld>
             <a:endParaRPr lang="pt-PT"/>
           </a:p>
@@ -2915,7 +3014,7 @@
           <p:cNvPr id="5" name="Marcador de Posição do Rodapé 4">
             <a:extLst>
               <a:ext uri="{FF2B5EF4-FFF2-40B4-BE49-F238E27FC236}">
-                <a16:creationId xmlns:a16="http://schemas.microsoft.com/office/drawing/2014/main" id="{5C04ED05-719E-43C6-B710-D299C48415D9}"/>
+                <a16:creationId xmlns:a16="http://schemas.microsoft.com/office/drawing/2014/main" id="{772E8EC9-0B31-409D-84DF-464B3BD6DE0D}"/>
               </a:ext>
             </a:extLst>
           </p:cNvPr>
@@ -2958,7 +3057,7 @@
           <p:cNvPr id="6" name="Marcador de Posição do Número do Diapositivo 5">
             <a:extLst>
               <a:ext uri="{FF2B5EF4-FFF2-40B4-BE49-F238E27FC236}">
-                <a16:creationId xmlns:a16="http://schemas.microsoft.com/office/drawing/2014/main" id="{1253358F-97E7-4C4F-8B63-BB1570F308AB}"/>
+                <a16:creationId xmlns:a16="http://schemas.microsoft.com/office/drawing/2014/main" id="{B541BACC-1379-481A-8072-BA08DDABA430}"/>
               </a:ext>
             </a:extLst>
           </p:cNvPr>
@@ -3003,23 +3102,23 @@
     </p:spTree>
     <p:extLst>
       <p:ext uri="{BB962C8B-B14F-4D97-AF65-F5344CB8AC3E}">
-        <p14:creationId xmlns:p14="http://schemas.microsoft.com/office/powerpoint/2010/main" val="1953970747"/>
+        <p14:creationId xmlns:p14="http://schemas.microsoft.com/office/powerpoint/2010/main" val="1051663532"/>
       </p:ext>
     </p:extLst>
   </p:cSld>
   <p:clrMap bg1="lt1" tx1="dk1" bg2="lt2" tx2="dk2" accent1="accent1" accent2="accent2" accent3="accent3" accent4="accent4" accent5="accent5" accent6="accent6" hlink="hlink" folHlink="folHlink"/>
   <p:sldLayoutIdLst>
-    <p:sldLayoutId id="2147483649" r:id="rId1"/>
-    <p:sldLayoutId id="2147483650" r:id="rId2"/>
-    <p:sldLayoutId id="2147483651" r:id="rId3"/>
-    <p:sldLayoutId id="2147483652" r:id="rId4"/>
-    <p:sldLayoutId id="2147483653" r:id="rId5"/>
-    <p:sldLayoutId id="2147483654" r:id="rId6"/>
-    <p:sldLayoutId id="2147483655" r:id="rId7"/>
-    <p:sldLayoutId id="2147483656" r:id="rId8"/>
-    <p:sldLayoutId id="2147483657" r:id="rId9"/>
-    <p:sldLayoutId id="2147483658" r:id="rId10"/>
-    <p:sldLayoutId id="2147483659" r:id="rId11"/>
+    <p:sldLayoutId id="2147483729" r:id="rId1"/>
+    <p:sldLayoutId id="2147483730" r:id="rId2"/>
+    <p:sldLayoutId id="2147483731" r:id="rId3"/>
+    <p:sldLayoutId id="2147483732" r:id="rId4"/>
+    <p:sldLayoutId id="2147483733" r:id="rId5"/>
+    <p:sldLayoutId id="2147483734" r:id="rId6"/>
+    <p:sldLayoutId id="2147483735" r:id="rId7"/>
+    <p:sldLayoutId id="2147483736" r:id="rId8"/>
+    <p:sldLayoutId id="2147483737" r:id="rId9"/>
+    <p:sldLayoutId id="2147483738" r:id="rId10"/>
+    <p:sldLayoutId id="2147483739" r:id="rId11"/>
   </p:sldLayoutIdLst>
   <p:txStyles>
     <p:titleStyle>
@@ -3307,6 +3406,26 @@
 <file path=ppt/slides/slide1.xml><?xml version="1.0" encoding="utf-8"?>
 <p:sld xmlns:a="http://schemas.openxmlformats.org/drawingml/2006/main" xmlns:r="http://schemas.openxmlformats.org/officeDocument/2006/relationships" xmlns:p="http://schemas.openxmlformats.org/presentationml/2006/main">
   <p:cSld>
+    <p:bg>
+      <p:bgPr>
+        <a:blipFill dpi="0" rotWithShape="1">
+          <a:blip r:embed="rId2">
+            <a:alphaModFix amt="10000"/>
+            <a:lum/>
+            <a:extLst>
+              <a:ext uri="{837473B0-CC2E-450A-ABE3-18F120FF3D39}">
+                <a1611:picAttrSrcUrl xmlns:a1611="http://schemas.microsoft.com/office/drawing/2016/11/main" r:id="rId3"/>
+              </a:ext>
+            </a:extLst>
+          </a:blip>
+          <a:srcRect/>
+          <a:stretch>
+            <a:fillRect/>
+          </a:stretch>
+        </a:blipFill>
+        <a:effectLst/>
+      </p:bgPr>
+    </p:bg>
     <p:spTree>
       <p:nvGrpSpPr>
         <p:cNvPr id="1" name=""/>
@@ -3337,12 +3456,23 @@
             <p:ph type="ctrTitle"/>
           </p:nvPr>
         </p:nvSpPr>
-        <p:spPr/>
-        <p:txBody>
-          <a:bodyPr/>
-          <a:lstStyle/>
-          <a:p>
-            <a:endParaRPr lang="pt-PT"/>
+        <p:spPr>
+          <a:xfrm>
+            <a:off x="1995052" y="434641"/>
+            <a:ext cx="8201891" cy="965055"/>
+          </a:xfrm>
+        </p:spPr>
+        <p:txBody>
+          <a:bodyPr/>
+          <a:lstStyle/>
+          <a:p>
+            <a:r>
+              <a:rPr lang="pt-PT" dirty="0">
+                <a:latin typeface="Arial" panose="020B0604020202020204" pitchFamily="34" charset="0"/>
+                <a:cs typeface="Arial" panose="020B0604020202020204" pitchFamily="34" charset="0"/>
+              </a:rPr>
+              <a:t>Vantagens económicas</a:t>
+            </a:r>
           </a:p>
         </p:txBody>
       </p:sp>
@@ -3362,12 +3492,64 @@
             <p:ph type="subTitle" idx="1"/>
           </p:nvPr>
         </p:nvSpPr>
-        <p:spPr/>
-        <p:txBody>
-          <a:bodyPr/>
-          <a:lstStyle/>
-          <a:p>
-            <a:endParaRPr lang="pt-PT"/>
+        <p:spPr>
+          <a:xfrm>
+            <a:off x="4887551" y="1607129"/>
+            <a:ext cx="2416896" cy="609598"/>
+          </a:xfrm>
+        </p:spPr>
+        <p:txBody>
+          <a:bodyPr>
+            <a:normAutofit/>
+          </a:bodyPr>
+          <a:lstStyle/>
+          <a:p>
+            <a:r>
+              <a:rPr lang="pt-PT" sz="3200" dirty="0">
+                <a:latin typeface="Arial" panose="020B0604020202020204" pitchFamily="34" charset="0"/>
+                <a:cs typeface="Arial" panose="020B0604020202020204" pitchFamily="34" charset="0"/>
+              </a:rPr>
+              <a:t>Introdução</a:t>
+            </a:r>
+          </a:p>
+        </p:txBody>
+      </p:sp>
+      <p:sp>
+        <p:nvSpPr>
+          <p:cNvPr id="4" name="CaixaDeTexto 3">
+            <a:extLst>
+              <a:ext uri="{FF2B5EF4-FFF2-40B4-BE49-F238E27FC236}">
+                <a16:creationId xmlns:a16="http://schemas.microsoft.com/office/drawing/2014/main" id="{70F1FF07-E939-4BF7-80EB-D49DD84BDED8}"/>
+              </a:ext>
+            </a:extLst>
+          </p:cNvPr>
+          <p:cNvSpPr txBox="1"/>
+          <p:nvPr/>
+        </p:nvSpPr>
+        <p:spPr>
+          <a:xfrm>
+            <a:off x="1798320" y="2631593"/>
+            <a:ext cx="8689569" cy="1569660"/>
+          </a:xfrm>
+          <a:prstGeom prst="rect">
+            <a:avLst/>
+          </a:prstGeom>
+          <a:noFill/>
+        </p:spPr>
+        <p:txBody>
+          <a:bodyPr wrap="square" rtlCol="0">
+            <a:spAutoFit/>
+          </a:bodyPr>
+          <a:lstStyle/>
+          <a:p>
+            <a:pPr algn="just"/>
+            <a:r>
+              <a:rPr lang="pt-PT" sz="2400" dirty="0">
+                <a:latin typeface="Arial" panose="020B0604020202020204" pitchFamily="34" charset="0"/>
+                <a:cs typeface="Arial" panose="020B0604020202020204" pitchFamily="34" charset="0"/>
+              </a:rPr>
+              <a:t>Neste subtema irá ser apresentadas várias vantagens na parte económica que o teletrabalho permitiu, que antes deste existir não eram possíveis, desde as empresas aos trabalhadores</a:t>
+            </a:r>
           </a:p>
         </p:txBody>
       </p:sp>
@@ -3375,6 +3557,524 @@
     <p:extLst>
       <p:ext uri="{BB962C8B-B14F-4D97-AF65-F5344CB8AC3E}">
         <p14:creationId xmlns:p14="http://schemas.microsoft.com/office/powerpoint/2010/main" val="1167175244"/>
+      </p:ext>
+    </p:extLst>
+  </p:cSld>
+  <p:clrMapOvr>
+    <a:masterClrMapping/>
+  </p:clrMapOvr>
+</p:sld>
+</file>
+
+<file path=ppt/slides/slide2.xml><?xml version="1.0" encoding="utf-8"?>
+<p:sld xmlns:a="http://schemas.openxmlformats.org/drawingml/2006/main" xmlns:r="http://schemas.openxmlformats.org/officeDocument/2006/relationships" xmlns:p="http://schemas.openxmlformats.org/presentationml/2006/main">
+  <p:cSld>
+    <p:spTree>
+      <p:nvGrpSpPr>
+        <p:cNvPr id="1" name=""/>
+        <p:cNvGrpSpPr/>
+        <p:nvPr/>
+      </p:nvGrpSpPr>
+      <p:grpSpPr>
+        <a:xfrm>
+          <a:off x="0" y="0"/>
+          <a:ext cx="0" cy="0"/>
+          <a:chOff x="0" y="0"/>
+          <a:chExt cx="0" cy="0"/>
+        </a:xfrm>
+      </p:grpSpPr>
+      <p:pic>
+        <p:nvPicPr>
+          <p:cNvPr id="1026" name="Picture 2" descr="Economia numa imagem | Banco de Portugal">
+            <a:extLst>
+              <a:ext uri="{FF2B5EF4-FFF2-40B4-BE49-F238E27FC236}">
+                <a16:creationId xmlns:a16="http://schemas.microsoft.com/office/drawing/2014/main" id="{E88CBD1D-BC4F-42ED-B86F-1ABC5D2B16B3}"/>
+              </a:ext>
+            </a:extLst>
+          </p:cNvPr>
+          <p:cNvPicPr>
+            <a:picLocks noChangeAspect="1" noChangeArrowheads="1"/>
+          </p:cNvPicPr>
+          <p:nvPr/>
+        </p:nvPicPr>
+        <p:blipFill>
+          <a:blip r:embed="rId2">
+            <a:extLst>
+              <a:ext uri="{28A0092B-C50C-407E-A947-70E740481C1C}">
+                <a14:useLocalDpi xmlns:a14="http://schemas.microsoft.com/office/drawing/2010/main" val="0"/>
+              </a:ext>
+            </a:extLst>
+          </a:blip>
+          <a:srcRect/>
+          <a:stretch>
+            <a:fillRect/>
+          </a:stretch>
+        </p:blipFill>
+        <p:spPr bwMode="auto">
+          <a:xfrm>
+            <a:off x="-1" y="1207065"/>
+            <a:ext cx="5621867" cy="4193609"/>
+          </a:xfrm>
+          <a:prstGeom prst="rect">
+            <a:avLst/>
+          </a:prstGeom>
+          <a:noFill/>
+          <a:extLst>
+            <a:ext uri="{909E8E84-426E-40DD-AFC4-6F175D3DCCD1}">
+              <a14:hiddenFill xmlns:a14="http://schemas.microsoft.com/office/drawing/2010/main">
+                <a:solidFill>
+                  <a:srgbClr val="FFFFFF"/>
+                </a:solidFill>
+              </a14:hiddenFill>
+            </a:ext>
+          </a:extLst>
+        </p:spPr>
+      </p:pic>
+      <p:pic>
+        <p:nvPicPr>
+          <p:cNvPr id="2" name="Picture 2" descr="INE e Banco de Portugal - Inquérito Rápido e Excecional às Empresas -  COVID-19 - GEE">
+            <a:extLst>
+              <a:ext uri="{FF2B5EF4-FFF2-40B4-BE49-F238E27FC236}">
+                <a16:creationId xmlns:a16="http://schemas.microsoft.com/office/drawing/2014/main" id="{CCD053F4-01B0-4618-8ABA-71A3AD3D4111}"/>
+              </a:ext>
+            </a:extLst>
+          </p:cNvPr>
+          <p:cNvPicPr>
+            <a:picLocks noChangeAspect="1" noChangeArrowheads="1"/>
+          </p:cNvPicPr>
+          <p:nvPr/>
+        </p:nvPicPr>
+        <p:blipFill>
+          <a:blip r:embed="rId3">
+            <a:extLst>
+              <a:ext uri="{28A0092B-C50C-407E-A947-70E740481C1C}">
+                <a14:useLocalDpi xmlns:a14="http://schemas.microsoft.com/office/drawing/2010/main" val="0"/>
+              </a:ext>
+            </a:extLst>
+          </a:blip>
+          <a:srcRect/>
+          <a:stretch>
+            <a:fillRect/>
+          </a:stretch>
+        </p:blipFill>
+        <p:spPr bwMode="auto">
+          <a:xfrm>
+            <a:off x="5621866" y="785812"/>
+            <a:ext cx="6477000" cy="5286375"/>
+          </a:xfrm>
+          <a:prstGeom prst="rect">
+            <a:avLst/>
+          </a:prstGeom>
+          <a:noFill/>
+          <a:extLst>
+            <a:ext uri="{909E8E84-426E-40DD-AFC4-6F175D3DCCD1}">
+              <a14:hiddenFill xmlns:a14="http://schemas.microsoft.com/office/drawing/2010/main">
+                <a:solidFill>
+                  <a:srgbClr val="FFFFFF"/>
+                </a:solidFill>
+              </a14:hiddenFill>
+            </a:ext>
+          </a:extLst>
+        </p:spPr>
+      </p:pic>
+    </p:spTree>
+    <p:extLst>
+      <p:ext uri="{BB962C8B-B14F-4D97-AF65-F5344CB8AC3E}">
+        <p14:creationId xmlns:p14="http://schemas.microsoft.com/office/powerpoint/2010/main" val="1082376532"/>
+      </p:ext>
+    </p:extLst>
+  </p:cSld>
+  <p:clrMapOvr>
+    <a:masterClrMapping/>
+  </p:clrMapOvr>
+</p:sld>
+</file>
+
+<file path=ppt/slides/slide3.xml><?xml version="1.0" encoding="utf-8"?>
+<p:sld xmlns:a="http://schemas.openxmlformats.org/drawingml/2006/main" xmlns:r="http://schemas.openxmlformats.org/officeDocument/2006/relationships" xmlns:p="http://schemas.openxmlformats.org/presentationml/2006/main">
+  <p:cSld>
+    <p:spTree>
+      <p:nvGrpSpPr>
+        <p:cNvPr id="1" name=""/>
+        <p:cNvGrpSpPr/>
+        <p:nvPr/>
+      </p:nvGrpSpPr>
+      <p:grpSpPr>
+        <a:xfrm>
+          <a:off x="0" y="0"/>
+          <a:ext cx="0" cy="0"/>
+          <a:chOff x="0" y="0"/>
+          <a:chExt cx="0" cy="0"/>
+        </a:xfrm>
+      </p:grpSpPr>
+      <p:sp>
+        <p:nvSpPr>
+          <p:cNvPr id="2" name="Título 1">
+            <a:extLst>
+              <a:ext uri="{FF2B5EF4-FFF2-40B4-BE49-F238E27FC236}">
+                <a16:creationId xmlns:a16="http://schemas.microsoft.com/office/drawing/2014/main" id="{F33A7DC1-7205-4349-8B7D-8B7032A184AC}"/>
+              </a:ext>
+            </a:extLst>
+          </p:cNvPr>
+          <p:cNvSpPr>
+            <a:spLocks noGrp="1"/>
+          </p:cNvSpPr>
+          <p:nvPr>
+            <p:ph type="title"/>
+          </p:nvPr>
+        </p:nvSpPr>
+        <p:spPr/>
+        <p:txBody>
+          <a:bodyPr>
+            <a:normAutofit/>
+          </a:bodyPr>
+          <a:lstStyle/>
+          <a:p>
+            <a:r>
+              <a:rPr lang="pt-PT" sz="3600" dirty="0"/>
+              <a:t>Vantagens económicas para as empresas</a:t>
+            </a:r>
+          </a:p>
+        </p:txBody>
+      </p:sp>
+      <p:sp>
+        <p:nvSpPr>
+          <p:cNvPr id="3" name="Marcador de Posição de Conteúdo 2">
+            <a:extLst>
+              <a:ext uri="{FF2B5EF4-FFF2-40B4-BE49-F238E27FC236}">
+                <a16:creationId xmlns:a16="http://schemas.microsoft.com/office/drawing/2014/main" id="{2CA623ED-699A-41B0-AA41-C32F22D723D4}"/>
+              </a:ext>
+            </a:extLst>
+          </p:cNvPr>
+          <p:cNvSpPr>
+            <a:spLocks noGrp="1"/>
+          </p:cNvSpPr>
+          <p:nvPr>
+            <p:ph idx="1"/>
+          </p:nvPr>
+        </p:nvSpPr>
+        <p:spPr/>
+        <p:txBody>
+          <a:bodyPr/>
+          <a:lstStyle/>
+          <a:p>
+            <a:pPr algn="just">
+              <a:spcAft>
+                <a:spcPts val="600"/>
+              </a:spcAft>
+            </a:pPr>
+            <a:r>
+              <a:rPr lang="pt-PT" sz="2400" dirty="0"/>
+              <a:t>Redução das despesas ao minimizar ou não haver de todo um espaço físico da empresa e este ser todo online</a:t>
+            </a:r>
+          </a:p>
+          <a:p>
+            <a:pPr algn="just">
+              <a:spcAft>
+                <a:spcPts val="600"/>
+              </a:spcAft>
+            </a:pPr>
+            <a:r>
+              <a:rPr lang="pt-PT" sz="2400" dirty="0"/>
+              <a:t>Maior flexibilidade para contratações de trabalhadores e gestão de horários que pode permitir alguma poupança ao fazer horários reduzidos</a:t>
+            </a:r>
+          </a:p>
+          <a:p>
+            <a:pPr algn="just">
+              <a:spcAft>
+                <a:spcPts val="600"/>
+              </a:spcAft>
+            </a:pPr>
+            <a:r>
+              <a:rPr lang="pt-PT" sz="2400" dirty="0"/>
+              <a:t>O teletrabalho também permite fazer contratações pelo globo mais facilmente e encontrar os melhores profissionais para cada área</a:t>
+            </a:r>
+          </a:p>
+          <a:p>
+            <a:endParaRPr lang="pt-PT" sz="2400" dirty="0"/>
+          </a:p>
+          <a:p>
+            <a:endParaRPr lang="pt-PT" dirty="0"/>
+          </a:p>
+        </p:txBody>
+      </p:sp>
+      <p:pic>
+        <p:nvPicPr>
+          <p:cNvPr id="5" name="Imagem 4">
+            <a:extLst>
+              <a:ext uri="{FF2B5EF4-FFF2-40B4-BE49-F238E27FC236}">
+                <a16:creationId xmlns:a16="http://schemas.microsoft.com/office/drawing/2014/main" id="{557D5473-0480-438C-A218-9AFFBC08B00C}"/>
+              </a:ext>
+            </a:extLst>
+          </p:cNvPr>
+          <p:cNvPicPr>
+            <a:picLocks noChangeAspect="1"/>
+          </p:cNvPicPr>
+          <p:nvPr/>
+        </p:nvPicPr>
+        <p:blipFill>
+          <a:blip r:embed="rId2">
+            <a:extLst>
+              <a:ext uri="{28A0092B-C50C-407E-A947-70E740481C1C}">
+                <a14:useLocalDpi xmlns:a14="http://schemas.microsoft.com/office/drawing/2010/main" val="0"/>
+              </a:ext>
+              <a:ext uri="{837473B0-CC2E-450A-ABE3-18F120FF3D39}">
+                <a1611:picAttrSrcUrl xmlns:a1611="http://schemas.microsoft.com/office/drawing/2016/11/main" r:id="rId3"/>
+              </a:ext>
+            </a:extLst>
+          </a:blip>
+          <a:stretch>
+            <a:fillRect/>
+          </a:stretch>
+        </p:blipFill>
+        <p:spPr>
+          <a:xfrm>
+            <a:off x="8336280" y="4150922"/>
+            <a:ext cx="2540073" cy="2540073"/>
+          </a:xfrm>
+          <a:prstGeom prst="rect">
+            <a:avLst/>
+          </a:prstGeom>
+        </p:spPr>
+      </p:pic>
+    </p:spTree>
+    <p:extLst>
+      <p:ext uri="{BB962C8B-B14F-4D97-AF65-F5344CB8AC3E}">
+        <p14:creationId xmlns:p14="http://schemas.microsoft.com/office/powerpoint/2010/main" val="1282367388"/>
+      </p:ext>
+    </p:extLst>
+  </p:cSld>
+  <p:clrMapOvr>
+    <a:masterClrMapping/>
+  </p:clrMapOvr>
+</p:sld>
+</file>
+
+<file path=ppt/slides/slide4.xml><?xml version="1.0" encoding="utf-8"?>
+<p:sld xmlns:a="http://schemas.openxmlformats.org/drawingml/2006/main" xmlns:r="http://schemas.openxmlformats.org/officeDocument/2006/relationships" xmlns:p="http://schemas.openxmlformats.org/presentationml/2006/main">
+  <p:cSld>
+    <p:spTree>
+      <p:nvGrpSpPr>
+        <p:cNvPr id="1" name=""/>
+        <p:cNvGrpSpPr/>
+        <p:nvPr/>
+      </p:nvGrpSpPr>
+      <p:grpSpPr>
+        <a:xfrm>
+          <a:off x="0" y="0"/>
+          <a:ext cx="0" cy="0"/>
+          <a:chOff x="0" y="0"/>
+          <a:chExt cx="0" cy="0"/>
+        </a:xfrm>
+      </p:grpSpPr>
+      <p:sp>
+        <p:nvSpPr>
+          <p:cNvPr id="2" name="Título 1">
+            <a:extLst>
+              <a:ext uri="{FF2B5EF4-FFF2-40B4-BE49-F238E27FC236}">
+                <a16:creationId xmlns:a16="http://schemas.microsoft.com/office/drawing/2014/main" id="{F33A7DC1-7205-4349-8B7D-8B7032A184AC}"/>
+              </a:ext>
+            </a:extLst>
+          </p:cNvPr>
+          <p:cNvSpPr>
+            <a:spLocks noGrp="1"/>
+          </p:cNvSpPr>
+          <p:nvPr>
+            <p:ph type="title"/>
+          </p:nvPr>
+        </p:nvSpPr>
+        <p:spPr/>
+        <p:txBody>
+          <a:bodyPr>
+            <a:normAutofit/>
+          </a:bodyPr>
+          <a:lstStyle/>
+          <a:p>
+            <a:r>
+              <a:rPr lang="pt-PT" sz="3600" dirty="0"/>
+              <a:t>Vantagens económicas para os trabalhadores</a:t>
+            </a:r>
+          </a:p>
+        </p:txBody>
+      </p:sp>
+      <p:sp>
+        <p:nvSpPr>
+          <p:cNvPr id="3" name="Marcador de Posição de Conteúdo 2">
+            <a:extLst>
+              <a:ext uri="{FF2B5EF4-FFF2-40B4-BE49-F238E27FC236}">
+                <a16:creationId xmlns:a16="http://schemas.microsoft.com/office/drawing/2014/main" id="{2CA623ED-699A-41B0-AA41-C32F22D723D4}"/>
+              </a:ext>
+            </a:extLst>
+          </p:cNvPr>
+          <p:cNvSpPr>
+            <a:spLocks noGrp="1"/>
+          </p:cNvSpPr>
+          <p:nvPr>
+            <p:ph idx="1"/>
+          </p:nvPr>
+        </p:nvSpPr>
+        <p:spPr/>
+        <p:txBody>
+          <a:bodyPr/>
+          <a:lstStyle/>
+          <a:p>
+            <a:pPr algn="just"/>
+            <a:r>
+              <a:rPr lang="pt-PT" sz="2400" dirty="0">
+                <a:cs typeface="Calibri" panose="020F0502020204030204" pitchFamily="34" charset="0"/>
+              </a:rPr>
+              <a:t>O</a:t>
+            </a:r>
+            <a:r>
+              <a:rPr lang="pt-PT" sz="2400" b="0" i="0" dirty="0">
+                <a:effectLst/>
+                <a:cs typeface="Calibri" panose="020F0502020204030204" pitchFamily="34" charset="0"/>
+              </a:rPr>
+              <a:t>s custos e despesas são reduzidos. Poupa-se em deslocações e refeições que teriam de se fazer fora de casa</a:t>
+            </a:r>
+          </a:p>
+          <a:p>
+            <a:endParaRPr lang="pt-PT" dirty="0"/>
+          </a:p>
+          <a:p>
+            <a:endParaRPr lang="pt-PT" dirty="0"/>
+          </a:p>
+        </p:txBody>
+      </p:sp>
+    </p:spTree>
+    <p:extLst>
+      <p:ext uri="{BB962C8B-B14F-4D97-AF65-F5344CB8AC3E}">
+        <p14:creationId xmlns:p14="http://schemas.microsoft.com/office/powerpoint/2010/main" val="4152940774"/>
+      </p:ext>
+    </p:extLst>
+  </p:cSld>
+  <p:clrMapOvr>
+    <a:masterClrMapping/>
+  </p:clrMapOvr>
+</p:sld>
+</file>
+
+<file path=ppt/slides/slide5.xml><?xml version="1.0" encoding="utf-8"?>
+<p:sld xmlns:a="http://schemas.openxmlformats.org/drawingml/2006/main" xmlns:r="http://schemas.openxmlformats.org/officeDocument/2006/relationships" xmlns:p="http://schemas.openxmlformats.org/presentationml/2006/main">
+  <p:cSld>
+    <p:spTree>
+      <p:nvGrpSpPr>
+        <p:cNvPr id="1" name=""/>
+        <p:cNvGrpSpPr/>
+        <p:nvPr/>
+      </p:nvGrpSpPr>
+      <p:grpSpPr>
+        <a:xfrm>
+          <a:off x="0" y="0"/>
+          <a:ext cx="0" cy="0"/>
+          <a:chOff x="0" y="0"/>
+          <a:chExt cx="0" cy="0"/>
+        </a:xfrm>
+      </p:grpSpPr>
+      <p:sp>
+        <p:nvSpPr>
+          <p:cNvPr id="2" name="Título 1">
+            <a:extLst>
+              <a:ext uri="{FF2B5EF4-FFF2-40B4-BE49-F238E27FC236}">
+                <a16:creationId xmlns:a16="http://schemas.microsoft.com/office/drawing/2014/main" id="{816D5EEE-2103-440B-A970-4A346740E42D}"/>
+              </a:ext>
+            </a:extLst>
+          </p:cNvPr>
+          <p:cNvSpPr>
+            <a:spLocks noGrp="1"/>
+          </p:cNvSpPr>
+          <p:nvPr>
+            <p:ph type="title"/>
+          </p:nvPr>
+        </p:nvSpPr>
+        <p:spPr/>
+        <p:txBody>
+          <a:bodyPr/>
+          <a:lstStyle/>
+          <a:p>
+            <a:r>
+              <a:rPr lang="pt-PT" dirty="0"/>
+              <a:t>Bibliografia</a:t>
+            </a:r>
+          </a:p>
+        </p:txBody>
+      </p:sp>
+      <p:sp>
+        <p:nvSpPr>
+          <p:cNvPr id="3" name="Marcador de Posição de Conteúdo 2">
+            <a:extLst>
+              <a:ext uri="{FF2B5EF4-FFF2-40B4-BE49-F238E27FC236}">
+                <a16:creationId xmlns:a16="http://schemas.microsoft.com/office/drawing/2014/main" id="{5CC54AE9-C682-4EE1-A38C-79647FE94E74}"/>
+              </a:ext>
+            </a:extLst>
+          </p:cNvPr>
+          <p:cNvSpPr>
+            <a:spLocks noGrp="1"/>
+          </p:cNvSpPr>
+          <p:nvPr>
+            <p:ph idx="1"/>
+          </p:nvPr>
+        </p:nvSpPr>
+        <p:spPr>
+          <a:xfrm>
+            <a:off x="838200" y="1796128"/>
+            <a:ext cx="10515600" cy="4351338"/>
+          </a:xfrm>
+        </p:spPr>
+        <p:txBody>
+          <a:bodyPr/>
+          <a:lstStyle/>
+          <a:p>
+            <a:r>
+              <a:rPr lang="pt-PT" sz="2000" dirty="0">
+                <a:hlinkClick r:id="rId2"/>
+              </a:rPr>
+              <a:t>https://www.doutorfinancas.pt/utilidades/teletrabalho-vantagens-e-desvantagens/</a:t>
+            </a:r>
+            <a:endParaRPr lang="pt-PT" sz="2000" dirty="0"/>
+          </a:p>
+          <a:p>
+            <a:endParaRPr lang="pt-PT" sz="2000" dirty="0"/>
+          </a:p>
+          <a:p>
+            <a:endParaRPr lang="pt-PT" sz="2000" dirty="0"/>
+          </a:p>
+          <a:p>
+            <a:r>
+              <a:rPr lang="pt-PT" sz="2000" dirty="0">
+                <a:hlinkClick r:id="rId3"/>
+              </a:rPr>
+              <a:t>https://www.bportugal.pt/sites/default/files/styles/content_50_perct/public/imagens/group/ei_20201002_grafico_pt.png?itok=uAl1ymkH</a:t>
+            </a:r>
+            <a:endParaRPr lang="pt-PT" sz="2000" dirty="0"/>
+          </a:p>
+          <a:p>
+            <a:r>
+              <a:rPr lang="pt-PT" sz="2000" dirty="0">
+                <a:hlinkClick r:id="rId4"/>
+              </a:rPr>
+              <a:t>https://gee.gov.pt/images/1_Flache_2020/e_maio_2020/12.png</a:t>
+            </a:r>
+            <a:endParaRPr lang="pt-PT" sz="2000" dirty="0"/>
+          </a:p>
+          <a:p>
+            <a:r>
+              <a:rPr lang="pt-PT" sz="2000" dirty="0">
+                <a:hlinkClick r:id="rId5"/>
+              </a:rPr>
+              <a:t>https://www.bportugal.pt/sites/default/files/styles/content_50_perct/public/imagens/group/ei_20201030_grafico_pt.png?itok=zUmQX2tV</a:t>
+            </a:r>
+            <a:endParaRPr lang="pt-PT" sz="2000" dirty="0"/>
+          </a:p>
+          <a:p>
+            <a:endParaRPr lang="pt-PT" dirty="0"/>
+          </a:p>
+        </p:txBody>
+      </p:sp>
+    </p:spTree>
+    <p:extLst>
+      <p:ext uri="{BB962C8B-B14F-4D97-AF65-F5344CB8AC3E}">
+        <p14:creationId xmlns:p14="http://schemas.microsoft.com/office/powerpoint/2010/main" val="3879270791"/>
       </p:ext>
     </p:extLst>
   </p:cSld>

--- a/VantagensEconomicas.pptx
+++ b/VantagensEconomicas.pptx
@@ -6,9 +6,9 @@
   </p:sldMasterIdLst>
   <p:sldIdLst>
     <p:sldId id="256" r:id="rId2"/>
-    <p:sldId id="261" r:id="rId3"/>
-    <p:sldId id="258" r:id="rId4"/>
-    <p:sldId id="257" r:id="rId5"/>
+    <p:sldId id="258" r:id="rId3"/>
+    <p:sldId id="257" r:id="rId4"/>
+    <p:sldId id="261" r:id="rId5"/>
     <p:sldId id="259" r:id="rId6"/>
   </p:sldIdLst>
   <p:sldSz cx="12192000" cy="6858000"/>
@@ -263,7 +263,7 @@
           <a:p>
             <a:fld id="{8D7E6A75-01B1-4FAB-8E79-A2B134B7DF2F}" type="datetimeFigureOut">
               <a:rPr lang="pt-PT" smtClean="0"/>
-              <a:t>30/10/2020</a:t>
+              <a:t>05/11/2020</a:t>
             </a:fld>
             <a:endParaRPr lang="pt-PT"/>
           </a:p>
@@ -360,7 +360,7 @@
         </p:blipFill>
         <p:spPr>
           <a:xfrm>
-            <a:off x="10845883" y="379872"/>
+            <a:off x="330283" y="5432783"/>
             <a:ext cx="1015833" cy="1106129"/>
           </a:xfrm>
           <a:prstGeom prst="rect">
@@ -506,7 +506,7 @@
           <a:p>
             <a:fld id="{8D7E6A75-01B1-4FAB-8E79-A2B134B7DF2F}" type="datetimeFigureOut">
               <a:rPr lang="pt-PT" smtClean="0"/>
-              <a:t>30/10/2020</a:t>
+              <a:t>05/11/2020</a:t>
             </a:fld>
             <a:endParaRPr lang="pt-PT"/>
           </a:p>
@@ -714,7 +714,7 @@
           <a:p>
             <a:fld id="{8D7E6A75-01B1-4FAB-8E79-A2B134B7DF2F}" type="datetimeFigureOut">
               <a:rPr lang="pt-PT" smtClean="0"/>
-              <a:t>30/10/2020</a:t>
+              <a:t>05/11/2020</a:t>
             </a:fld>
             <a:endParaRPr lang="pt-PT"/>
           </a:p>
@@ -912,7 +912,7 @@
           <a:p>
             <a:fld id="{8D7E6A75-01B1-4FAB-8E79-A2B134B7DF2F}" type="datetimeFigureOut">
               <a:rPr lang="pt-PT" smtClean="0"/>
-              <a:t>30/10/2020</a:t>
+              <a:t>05/11/2020</a:t>
             </a:fld>
             <a:endParaRPr lang="pt-PT"/>
           </a:p>
@@ -1009,7 +1009,7 @@
         </p:blipFill>
         <p:spPr>
           <a:xfrm>
-            <a:off x="10845883" y="365125"/>
+            <a:off x="330283" y="5432783"/>
             <a:ext cx="1015833" cy="1106129"/>
           </a:xfrm>
           <a:prstGeom prst="rect">
@@ -1232,7 +1232,7 @@
           <a:p>
             <a:fld id="{8D7E6A75-01B1-4FAB-8E79-A2B134B7DF2F}" type="datetimeFigureOut">
               <a:rPr lang="pt-PT" smtClean="0"/>
-              <a:t>30/10/2020</a:t>
+              <a:t>05/11/2020</a:t>
             </a:fld>
             <a:endParaRPr lang="pt-PT"/>
           </a:p>
@@ -1497,7 +1497,7 @@
           <a:p>
             <a:fld id="{8D7E6A75-01B1-4FAB-8E79-A2B134B7DF2F}" type="datetimeFigureOut">
               <a:rPr lang="pt-PT" smtClean="0"/>
-              <a:t>30/10/2020</a:t>
+              <a:t>05/11/2020</a:t>
             </a:fld>
             <a:endParaRPr lang="pt-PT"/>
           </a:p>
@@ -1909,7 +1909,7 @@
           <a:p>
             <a:fld id="{8D7E6A75-01B1-4FAB-8E79-A2B134B7DF2F}" type="datetimeFigureOut">
               <a:rPr lang="pt-PT" smtClean="0"/>
-              <a:t>30/10/2020</a:t>
+              <a:t>05/11/2020</a:t>
             </a:fld>
             <a:endParaRPr lang="pt-PT"/>
           </a:p>
@@ -2050,7 +2050,7 @@
           <a:p>
             <a:fld id="{8D7E6A75-01B1-4FAB-8E79-A2B134B7DF2F}" type="datetimeFigureOut">
               <a:rPr lang="pt-PT" smtClean="0"/>
-              <a:t>30/10/2020</a:t>
+              <a:t>05/11/2020</a:t>
             </a:fld>
             <a:endParaRPr lang="pt-PT"/>
           </a:p>
@@ -2163,7 +2163,7 @@
           <a:p>
             <a:fld id="{8D7E6A75-01B1-4FAB-8E79-A2B134B7DF2F}" type="datetimeFigureOut">
               <a:rPr lang="pt-PT" smtClean="0"/>
-              <a:t>30/10/2020</a:t>
+              <a:t>05/11/2020</a:t>
             </a:fld>
             <a:endParaRPr lang="pt-PT"/>
           </a:p>
@@ -2474,7 +2474,7 @@
           <a:p>
             <a:fld id="{8D7E6A75-01B1-4FAB-8E79-A2B134B7DF2F}" type="datetimeFigureOut">
               <a:rPr lang="pt-PT" smtClean="0"/>
-              <a:t>30/10/2020</a:t>
+              <a:t>05/11/2020</a:t>
             </a:fld>
             <a:endParaRPr lang="pt-PT"/>
           </a:p>
@@ -2762,7 +2762,7 @@
           <a:p>
             <a:fld id="{8D7E6A75-01B1-4FAB-8E79-A2B134B7DF2F}" type="datetimeFigureOut">
               <a:rPr lang="pt-PT" smtClean="0"/>
-              <a:t>30/10/2020</a:t>
+              <a:t>05/11/2020</a:t>
             </a:fld>
             <a:endParaRPr lang="pt-PT"/>
           </a:p>
@@ -3003,7 +3003,7 @@
           <a:p>
             <a:fld id="{8D7E6A75-01B1-4FAB-8E79-A2B134B7DF2F}" type="datetimeFigureOut">
               <a:rPr lang="pt-PT" smtClean="0"/>
-              <a:t>30/10/2020</a:t>
+              <a:t>05/11/2020</a:t>
             </a:fld>
             <a:endParaRPr lang="pt-PT"/>
           </a:p>
@@ -3529,7 +3529,7 @@
         <p:spPr>
           <a:xfrm>
             <a:off x="1798320" y="2631593"/>
-            <a:ext cx="8689569" cy="1569660"/>
+            <a:ext cx="8689569" cy="1200329"/>
           </a:xfrm>
           <a:prstGeom prst="rect">
             <a:avLst/>
@@ -3548,7 +3548,7 @@
                 <a:latin typeface="Arial" panose="020B0604020202020204" pitchFamily="34" charset="0"/>
                 <a:cs typeface="Arial" panose="020B0604020202020204" pitchFamily="34" charset="0"/>
               </a:rPr>
-              <a:t>Neste subtema irá ser apresentadas várias vantagens na parte económica que o teletrabalho permitiu, que antes deste existir não eram possíveis, desde as empresas aos trabalhadores</a:t>
+              <a:t>Neste subtema irá ser apresentadas várias vantagens no setor económica que o teletrabalho permitiu, que antes deste existir não eram possíveis, desde as empresas aos trabalhadores</a:t>
             </a:r>
           </a:p>
         </p:txBody>
@@ -3567,6 +3567,292 @@
 </file>
 
 <file path=ppt/slides/slide2.xml><?xml version="1.0" encoding="utf-8"?>
+<p:sld xmlns:a="http://schemas.openxmlformats.org/drawingml/2006/main" xmlns:r="http://schemas.openxmlformats.org/officeDocument/2006/relationships" xmlns:p="http://schemas.openxmlformats.org/presentationml/2006/main">
+  <p:cSld>
+    <p:spTree>
+      <p:nvGrpSpPr>
+        <p:cNvPr id="1" name=""/>
+        <p:cNvGrpSpPr/>
+        <p:nvPr/>
+      </p:nvGrpSpPr>
+      <p:grpSpPr>
+        <a:xfrm>
+          <a:off x="0" y="0"/>
+          <a:ext cx="0" cy="0"/>
+          <a:chOff x="0" y="0"/>
+          <a:chExt cx="0" cy="0"/>
+        </a:xfrm>
+      </p:grpSpPr>
+      <p:sp>
+        <p:nvSpPr>
+          <p:cNvPr id="2" name="Título 1">
+            <a:extLst>
+              <a:ext uri="{FF2B5EF4-FFF2-40B4-BE49-F238E27FC236}">
+                <a16:creationId xmlns:a16="http://schemas.microsoft.com/office/drawing/2014/main" id="{F33A7DC1-7205-4349-8B7D-8B7032A184AC}"/>
+              </a:ext>
+            </a:extLst>
+          </p:cNvPr>
+          <p:cNvSpPr>
+            <a:spLocks noGrp="1"/>
+          </p:cNvSpPr>
+          <p:nvPr>
+            <p:ph type="title"/>
+          </p:nvPr>
+        </p:nvSpPr>
+        <p:spPr/>
+        <p:txBody>
+          <a:bodyPr>
+            <a:normAutofit/>
+          </a:bodyPr>
+          <a:lstStyle/>
+          <a:p>
+            <a:r>
+              <a:rPr lang="pt-PT" sz="3600" dirty="0"/>
+              <a:t>Vantagens económicas para as empresas</a:t>
+            </a:r>
+          </a:p>
+        </p:txBody>
+      </p:sp>
+      <p:sp>
+        <p:nvSpPr>
+          <p:cNvPr id="3" name="Marcador de Posição de Conteúdo 2">
+            <a:extLst>
+              <a:ext uri="{FF2B5EF4-FFF2-40B4-BE49-F238E27FC236}">
+                <a16:creationId xmlns:a16="http://schemas.microsoft.com/office/drawing/2014/main" id="{2CA623ED-699A-41B0-AA41-C32F22D723D4}"/>
+              </a:ext>
+            </a:extLst>
+          </p:cNvPr>
+          <p:cNvSpPr>
+            <a:spLocks noGrp="1"/>
+          </p:cNvSpPr>
+          <p:nvPr>
+            <p:ph idx="1"/>
+          </p:nvPr>
+        </p:nvSpPr>
+        <p:spPr/>
+        <p:txBody>
+          <a:bodyPr/>
+          <a:lstStyle/>
+          <a:p>
+            <a:pPr algn="just">
+              <a:spcAft>
+                <a:spcPts val="600"/>
+              </a:spcAft>
+            </a:pPr>
+            <a:r>
+              <a:rPr lang="pt-PT" sz="2400" dirty="0"/>
+              <a:t>Redução das despesas ao minimizar ou não haver de todo um espaço físico da empresa e este ser todo online</a:t>
+            </a:r>
+          </a:p>
+          <a:p>
+            <a:pPr algn="just">
+              <a:spcAft>
+                <a:spcPts val="600"/>
+              </a:spcAft>
+            </a:pPr>
+            <a:r>
+              <a:rPr lang="pt-PT" sz="2400" dirty="0"/>
+              <a:t>Maior flexibilidade para contratações de trabalhadores e gestão de horários que pode permitir alguma poupança ao fazer horários reduzidos</a:t>
+            </a:r>
+          </a:p>
+          <a:p>
+            <a:pPr algn="just">
+              <a:spcAft>
+                <a:spcPts val="600"/>
+              </a:spcAft>
+            </a:pPr>
+            <a:r>
+              <a:rPr lang="pt-PT" sz="2400" dirty="0"/>
+              <a:t>O teletrabalho também permite fazer contratações pelo globo mais facilmente e encontrar os melhores profissionais para cada área</a:t>
+            </a:r>
+          </a:p>
+          <a:p>
+            <a:endParaRPr lang="pt-PT" sz="2400" dirty="0"/>
+          </a:p>
+          <a:p>
+            <a:endParaRPr lang="pt-PT" dirty="0"/>
+          </a:p>
+        </p:txBody>
+      </p:sp>
+      <p:pic>
+        <p:nvPicPr>
+          <p:cNvPr id="5" name="Imagem 4">
+            <a:extLst>
+              <a:ext uri="{FF2B5EF4-FFF2-40B4-BE49-F238E27FC236}">
+                <a16:creationId xmlns:a16="http://schemas.microsoft.com/office/drawing/2014/main" id="{557D5473-0480-438C-A218-9AFFBC08B00C}"/>
+              </a:ext>
+            </a:extLst>
+          </p:cNvPr>
+          <p:cNvPicPr>
+            <a:picLocks noChangeAspect="1"/>
+          </p:cNvPicPr>
+          <p:nvPr/>
+        </p:nvPicPr>
+        <p:blipFill>
+          <a:blip r:embed="rId2">
+            <a:extLst>
+              <a:ext uri="{28A0092B-C50C-407E-A947-70E740481C1C}">
+                <a14:useLocalDpi xmlns:a14="http://schemas.microsoft.com/office/drawing/2010/main" val="0"/>
+              </a:ext>
+              <a:ext uri="{837473B0-CC2E-450A-ABE3-18F120FF3D39}">
+                <a1611:picAttrSrcUrl xmlns:a1611="http://schemas.microsoft.com/office/drawing/2016/11/main" r:id="rId3"/>
+              </a:ext>
+            </a:extLst>
+          </a:blip>
+          <a:stretch>
+            <a:fillRect/>
+          </a:stretch>
+        </p:blipFill>
+        <p:spPr>
+          <a:xfrm>
+            <a:off x="8813727" y="4151672"/>
+            <a:ext cx="2540073" cy="2540073"/>
+          </a:xfrm>
+          <a:prstGeom prst="rect">
+            <a:avLst/>
+          </a:prstGeom>
+        </p:spPr>
+      </p:pic>
+    </p:spTree>
+    <p:extLst>
+      <p:ext uri="{BB962C8B-B14F-4D97-AF65-F5344CB8AC3E}">
+        <p14:creationId xmlns:p14="http://schemas.microsoft.com/office/powerpoint/2010/main" val="1282367388"/>
+      </p:ext>
+    </p:extLst>
+  </p:cSld>
+  <p:clrMapOvr>
+    <a:masterClrMapping/>
+  </p:clrMapOvr>
+</p:sld>
+</file>
+
+<file path=ppt/slides/slide3.xml><?xml version="1.0" encoding="utf-8"?>
+<p:sld xmlns:a="http://schemas.openxmlformats.org/drawingml/2006/main" xmlns:r="http://schemas.openxmlformats.org/officeDocument/2006/relationships" xmlns:p="http://schemas.openxmlformats.org/presentationml/2006/main">
+  <p:cSld>
+    <p:spTree>
+      <p:nvGrpSpPr>
+        <p:cNvPr id="1" name=""/>
+        <p:cNvGrpSpPr/>
+        <p:nvPr/>
+      </p:nvGrpSpPr>
+      <p:grpSpPr>
+        <a:xfrm>
+          <a:off x="0" y="0"/>
+          <a:ext cx="0" cy="0"/>
+          <a:chOff x="0" y="0"/>
+          <a:chExt cx="0" cy="0"/>
+        </a:xfrm>
+      </p:grpSpPr>
+      <p:sp>
+        <p:nvSpPr>
+          <p:cNvPr id="2" name="Título 1">
+            <a:extLst>
+              <a:ext uri="{FF2B5EF4-FFF2-40B4-BE49-F238E27FC236}">
+                <a16:creationId xmlns:a16="http://schemas.microsoft.com/office/drawing/2014/main" id="{F33A7DC1-7205-4349-8B7D-8B7032A184AC}"/>
+              </a:ext>
+            </a:extLst>
+          </p:cNvPr>
+          <p:cNvSpPr>
+            <a:spLocks noGrp="1"/>
+          </p:cNvSpPr>
+          <p:nvPr>
+            <p:ph type="title"/>
+          </p:nvPr>
+        </p:nvSpPr>
+        <p:spPr/>
+        <p:txBody>
+          <a:bodyPr>
+            <a:normAutofit/>
+          </a:bodyPr>
+          <a:lstStyle/>
+          <a:p>
+            <a:r>
+              <a:rPr lang="pt-PT" sz="3600" dirty="0"/>
+              <a:t>Vantagens económicas para os trabalhadores</a:t>
+            </a:r>
+          </a:p>
+        </p:txBody>
+      </p:sp>
+      <p:sp>
+        <p:nvSpPr>
+          <p:cNvPr id="3" name="Marcador de Posição de Conteúdo 2">
+            <a:extLst>
+              <a:ext uri="{FF2B5EF4-FFF2-40B4-BE49-F238E27FC236}">
+                <a16:creationId xmlns:a16="http://schemas.microsoft.com/office/drawing/2014/main" id="{2CA623ED-699A-41B0-AA41-C32F22D723D4}"/>
+              </a:ext>
+            </a:extLst>
+          </p:cNvPr>
+          <p:cNvSpPr>
+            <a:spLocks noGrp="1"/>
+          </p:cNvSpPr>
+          <p:nvPr>
+            <p:ph idx="1"/>
+          </p:nvPr>
+        </p:nvSpPr>
+        <p:spPr/>
+        <p:txBody>
+          <a:bodyPr/>
+          <a:lstStyle/>
+          <a:p>
+            <a:pPr algn="just"/>
+            <a:r>
+              <a:rPr lang="pt-PT" sz="2400" dirty="0">
+                <a:cs typeface="Calibri" panose="020F0502020204030204" pitchFamily="34" charset="0"/>
+              </a:rPr>
+              <a:t>Pode haver um melhoramento do equilíbrio entre a vida pessoal e a vida profissional, o que poderá ser benéfico para a produtividade</a:t>
+            </a:r>
+          </a:p>
+          <a:p>
+            <a:pPr algn="just"/>
+            <a:r>
+              <a:rPr lang="pt-PT" sz="2400" dirty="0">
+                <a:cs typeface="Calibri" panose="020F0502020204030204" pitchFamily="34" charset="0"/>
+              </a:rPr>
+              <a:t>O</a:t>
+            </a:r>
+            <a:r>
+              <a:rPr lang="pt-PT" sz="2400" b="0" i="0" dirty="0">
+                <a:effectLst/>
+                <a:cs typeface="Calibri" panose="020F0502020204030204" pitchFamily="34" charset="0"/>
+              </a:rPr>
+              <a:t>s custos e despesas são reduzidos. Poupa-se em deslocações e refeições que teriam de se fazer fora de casa</a:t>
+            </a:r>
+          </a:p>
+          <a:p>
+            <a:pPr algn="just"/>
+            <a:r>
+              <a:rPr lang="pt-PT" sz="2400" dirty="0">
+                <a:cs typeface="Calibri" panose="020F0502020204030204" pitchFamily="34" charset="0"/>
+              </a:rPr>
+              <a:t>Existe um aumento de empregabilidade, devido a poder-se ter um emprego pelo globo inteiro</a:t>
+            </a:r>
+            <a:endParaRPr lang="pt-PT" sz="2400" b="0" i="0" dirty="0">
+              <a:effectLst/>
+              <a:cs typeface="Calibri" panose="020F0502020204030204" pitchFamily="34" charset="0"/>
+            </a:endParaRPr>
+          </a:p>
+          <a:p>
+            <a:endParaRPr lang="pt-PT" dirty="0"/>
+          </a:p>
+          <a:p>
+            <a:endParaRPr lang="pt-PT" dirty="0"/>
+          </a:p>
+        </p:txBody>
+      </p:sp>
+    </p:spTree>
+    <p:extLst>
+      <p:ext uri="{BB962C8B-B14F-4D97-AF65-F5344CB8AC3E}">
+        <p14:creationId xmlns:p14="http://schemas.microsoft.com/office/powerpoint/2010/main" val="4152940774"/>
+      </p:ext>
+    </p:extLst>
+  </p:cSld>
+  <p:clrMapOvr>
+    <a:masterClrMapping/>
+  </p:clrMapOvr>
+</p:sld>
+</file>
+
+<file path=ppt/slides/slide4.xml><?xml version="1.0" encoding="utf-8"?>
 <p:sld xmlns:a="http://schemas.openxmlformats.org/drawingml/2006/main" xmlns:r="http://schemas.openxmlformats.org/officeDocument/2006/relationships" xmlns:p="http://schemas.openxmlformats.org/presentationml/2006/main">
   <p:cSld>
     <p:spTree>
@@ -3690,270 +3976,6 @@
 </p:sld>
 </file>
 
-<file path=ppt/slides/slide3.xml><?xml version="1.0" encoding="utf-8"?>
-<p:sld xmlns:a="http://schemas.openxmlformats.org/drawingml/2006/main" xmlns:r="http://schemas.openxmlformats.org/officeDocument/2006/relationships" xmlns:p="http://schemas.openxmlformats.org/presentationml/2006/main">
-  <p:cSld>
-    <p:spTree>
-      <p:nvGrpSpPr>
-        <p:cNvPr id="1" name=""/>
-        <p:cNvGrpSpPr/>
-        <p:nvPr/>
-      </p:nvGrpSpPr>
-      <p:grpSpPr>
-        <a:xfrm>
-          <a:off x="0" y="0"/>
-          <a:ext cx="0" cy="0"/>
-          <a:chOff x="0" y="0"/>
-          <a:chExt cx="0" cy="0"/>
-        </a:xfrm>
-      </p:grpSpPr>
-      <p:sp>
-        <p:nvSpPr>
-          <p:cNvPr id="2" name="Título 1">
-            <a:extLst>
-              <a:ext uri="{FF2B5EF4-FFF2-40B4-BE49-F238E27FC236}">
-                <a16:creationId xmlns:a16="http://schemas.microsoft.com/office/drawing/2014/main" id="{F33A7DC1-7205-4349-8B7D-8B7032A184AC}"/>
-              </a:ext>
-            </a:extLst>
-          </p:cNvPr>
-          <p:cNvSpPr>
-            <a:spLocks noGrp="1"/>
-          </p:cNvSpPr>
-          <p:nvPr>
-            <p:ph type="title"/>
-          </p:nvPr>
-        </p:nvSpPr>
-        <p:spPr/>
-        <p:txBody>
-          <a:bodyPr>
-            <a:normAutofit/>
-          </a:bodyPr>
-          <a:lstStyle/>
-          <a:p>
-            <a:r>
-              <a:rPr lang="pt-PT" sz="3600" dirty="0"/>
-              <a:t>Vantagens económicas para as empresas</a:t>
-            </a:r>
-          </a:p>
-        </p:txBody>
-      </p:sp>
-      <p:sp>
-        <p:nvSpPr>
-          <p:cNvPr id="3" name="Marcador de Posição de Conteúdo 2">
-            <a:extLst>
-              <a:ext uri="{FF2B5EF4-FFF2-40B4-BE49-F238E27FC236}">
-                <a16:creationId xmlns:a16="http://schemas.microsoft.com/office/drawing/2014/main" id="{2CA623ED-699A-41B0-AA41-C32F22D723D4}"/>
-              </a:ext>
-            </a:extLst>
-          </p:cNvPr>
-          <p:cNvSpPr>
-            <a:spLocks noGrp="1"/>
-          </p:cNvSpPr>
-          <p:nvPr>
-            <p:ph idx="1"/>
-          </p:nvPr>
-        </p:nvSpPr>
-        <p:spPr/>
-        <p:txBody>
-          <a:bodyPr/>
-          <a:lstStyle/>
-          <a:p>
-            <a:pPr algn="just">
-              <a:spcAft>
-                <a:spcPts val="600"/>
-              </a:spcAft>
-            </a:pPr>
-            <a:r>
-              <a:rPr lang="pt-PT" sz="2400" dirty="0"/>
-              <a:t>Redução das despesas ao minimizar ou não haver de todo um espaço físico da empresa e este ser todo online</a:t>
-            </a:r>
-          </a:p>
-          <a:p>
-            <a:pPr algn="just">
-              <a:spcAft>
-                <a:spcPts val="600"/>
-              </a:spcAft>
-            </a:pPr>
-            <a:r>
-              <a:rPr lang="pt-PT" sz="2400" dirty="0"/>
-              <a:t>Maior flexibilidade para contratações de trabalhadores e gestão de horários que pode permitir alguma poupança ao fazer horários reduzidos</a:t>
-            </a:r>
-          </a:p>
-          <a:p>
-            <a:pPr algn="just">
-              <a:spcAft>
-                <a:spcPts val="600"/>
-              </a:spcAft>
-            </a:pPr>
-            <a:r>
-              <a:rPr lang="pt-PT" sz="2400" dirty="0"/>
-              <a:t>O teletrabalho também permite fazer contratações pelo globo mais facilmente e encontrar os melhores profissionais para cada área</a:t>
-            </a:r>
-          </a:p>
-          <a:p>
-            <a:endParaRPr lang="pt-PT" sz="2400" dirty="0"/>
-          </a:p>
-          <a:p>
-            <a:endParaRPr lang="pt-PT" dirty="0"/>
-          </a:p>
-        </p:txBody>
-      </p:sp>
-      <p:pic>
-        <p:nvPicPr>
-          <p:cNvPr id="5" name="Imagem 4">
-            <a:extLst>
-              <a:ext uri="{FF2B5EF4-FFF2-40B4-BE49-F238E27FC236}">
-                <a16:creationId xmlns:a16="http://schemas.microsoft.com/office/drawing/2014/main" id="{557D5473-0480-438C-A218-9AFFBC08B00C}"/>
-              </a:ext>
-            </a:extLst>
-          </p:cNvPr>
-          <p:cNvPicPr>
-            <a:picLocks noChangeAspect="1"/>
-          </p:cNvPicPr>
-          <p:nvPr/>
-        </p:nvPicPr>
-        <p:blipFill>
-          <a:blip r:embed="rId2">
-            <a:extLst>
-              <a:ext uri="{28A0092B-C50C-407E-A947-70E740481C1C}">
-                <a14:useLocalDpi xmlns:a14="http://schemas.microsoft.com/office/drawing/2010/main" val="0"/>
-              </a:ext>
-              <a:ext uri="{837473B0-CC2E-450A-ABE3-18F120FF3D39}">
-                <a1611:picAttrSrcUrl xmlns:a1611="http://schemas.microsoft.com/office/drawing/2016/11/main" r:id="rId3"/>
-              </a:ext>
-            </a:extLst>
-          </a:blip>
-          <a:stretch>
-            <a:fillRect/>
-          </a:stretch>
-        </p:blipFill>
-        <p:spPr>
-          <a:xfrm>
-            <a:off x="8336280" y="4150922"/>
-            <a:ext cx="2540073" cy="2540073"/>
-          </a:xfrm>
-          <a:prstGeom prst="rect">
-            <a:avLst/>
-          </a:prstGeom>
-        </p:spPr>
-      </p:pic>
-    </p:spTree>
-    <p:extLst>
-      <p:ext uri="{BB962C8B-B14F-4D97-AF65-F5344CB8AC3E}">
-        <p14:creationId xmlns:p14="http://schemas.microsoft.com/office/powerpoint/2010/main" val="1282367388"/>
-      </p:ext>
-    </p:extLst>
-  </p:cSld>
-  <p:clrMapOvr>
-    <a:masterClrMapping/>
-  </p:clrMapOvr>
-</p:sld>
-</file>
-
-<file path=ppt/slides/slide4.xml><?xml version="1.0" encoding="utf-8"?>
-<p:sld xmlns:a="http://schemas.openxmlformats.org/drawingml/2006/main" xmlns:r="http://schemas.openxmlformats.org/officeDocument/2006/relationships" xmlns:p="http://schemas.openxmlformats.org/presentationml/2006/main">
-  <p:cSld>
-    <p:spTree>
-      <p:nvGrpSpPr>
-        <p:cNvPr id="1" name=""/>
-        <p:cNvGrpSpPr/>
-        <p:nvPr/>
-      </p:nvGrpSpPr>
-      <p:grpSpPr>
-        <a:xfrm>
-          <a:off x="0" y="0"/>
-          <a:ext cx="0" cy="0"/>
-          <a:chOff x="0" y="0"/>
-          <a:chExt cx="0" cy="0"/>
-        </a:xfrm>
-      </p:grpSpPr>
-      <p:sp>
-        <p:nvSpPr>
-          <p:cNvPr id="2" name="Título 1">
-            <a:extLst>
-              <a:ext uri="{FF2B5EF4-FFF2-40B4-BE49-F238E27FC236}">
-                <a16:creationId xmlns:a16="http://schemas.microsoft.com/office/drawing/2014/main" id="{F33A7DC1-7205-4349-8B7D-8B7032A184AC}"/>
-              </a:ext>
-            </a:extLst>
-          </p:cNvPr>
-          <p:cNvSpPr>
-            <a:spLocks noGrp="1"/>
-          </p:cNvSpPr>
-          <p:nvPr>
-            <p:ph type="title"/>
-          </p:nvPr>
-        </p:nvSpPr>
-        <p:spPr/>
-        <p:txBody>
-          <a:bodyPr>
-            <a:normAutofit/>
-          </a:bodyPr>
-          <a:lstStyle/>
-          <a:p>
-            <a:r>
-              <a:rPr lang="pt-PT" sz="3600" dirty="0"/>
-              <a:t>Vantagens económicas para os trabalhadores</a:t>
-            </a:r>
-          </a:p>
-        </p:txBody>
-      </p:sp>
-      <p:sp>
-        <p:nvSpPr>
-          <p:cNvPr id="3" name="Marcador de Posição de Conteúdo 2">
-            <a:extLst>
-              <a:ext uri="{FF2B5EF4-FFF2-40B4-BE49-F238E27FC236}">
-                <a16:creationId xmlns:a16="http://schemas.microsoft.com/office/drawing/2014/main" id="{2CA623ED-699A-41B0-AA41-C32F22D723D4}"/>
-              </a:ext>
-            </a:extLst>
-          </p:cNvPr>
-          <p:cNvSpPr>
-            <a:spLocks noGrp="1"/>
-          </p:cNvSpPr>
-          <p:nvPr>
-            <p:ph idx="1"/>
-          </p:nvPr>
-        </p:nvSpPr>
-        <p:spPr/>
-        <p:txBody>
-          <a:bodyPr/>
-          <a:lstStyle/>
-          <a:p>
-            <a:pPr algn="just"/>
-            <a:r>
-              <a:rPr lang="pt-PT" sz="2400" dirty="0">
-                <a:cs typeface="Calibri" panose="020F0502020204030204" pitchFamily="34" charset="0"/>
-              </a:rPr>
-              <a:t>O</a:t>
-            </a:r>
-            <a:r>
-              <a:rPr lang="pt-PT" sz="2400" b="0" i="0" dirty="0">
-                <a:effectLst/>
-                <a:cs typeface="Calibri" panose="020F0502020204030204" pitchFamily="34" charset="0"/>
-              </a:rPr>
-              <a:t>s custos e despesas são reduzidos. Poupa-se em deslocações e refeições que teriam de se fazer fora de casa</a:t>
-            </a:r>
-          </a:p>
-          <a:p>
-            <a:endParaRPr lang="pt-PT" dirty="0"/>
-          </a:p>
-          <a:p>
-            <a:endParaRPr lang="pt-PT" dirty="0"/>
-          </a:p>
-        </p:txBody>
-      </p:sp>
-    </p:spTree>
-    <p:extLst>
-      <p:ext uri="{BB962C8B-B14F-4D97-AF65-F5344CB8AC3E}">
-        <p14:creationId xmlns:p14="http://schemas.microsoft.com/office/powerpoint/2010/main" val="4152940774"/>
-      </p:ext>
-    </p:extLst>
-  </p:cSld>
-  <p:clrMapOvr>
-    <a:masterClrMapping/>
-  </p:clrMapOvr>
-</p:sld>
-</file>
-
 <file path=ppt/slides/slide5.xml><?xml version="1.0" encoding="utf-8"?>
 <p:sld xmlns:a="http://schemas.openxmlformats.org/drawingml/2006/main" xmlns:r="http://schemas.openxmlformats.org/officeDocument/2006/relationships" xmlns:p="http://schemas.openxmlformats.org/presentationml/2006/main">
   <p:cSld>
@@ -3993,9 +4015,10 @@
           <a:lstStyle/>
           <a:p>
             <a:r>
-              <a:rPr lang="pt-PT" dirty="0"/>
-              <a:t>Bibliografia</a:t>
-            </a:r>
+              <a:rPr lang="pt-PT" dirty="0" err="1"/>
+              <a:t>Webgrafia</a:t>
+            </a:r>
+            <a:endParaRPr lang="pt-PT" dirty="0"/>
           </a:p>
         </p:txBody>
       </p:sp>
@@ -4034,18 +4057,18 @@
             <a:endParaRPr lang="pt-PT" sz="2000" dirty="0"/>
           </a:p>
           <a:p>
-            <a:endParaRPr lang="pt-PT" sz="2000" dirty="0"/>
-          </a:p>
-          <a:p>
-            <a:endParaRPr lang="pt-PT" sz="2000" dirty="0"/>
-          </a:p>
-          <a:p>
             <a:r>
               <a:rPr lang="pt-PT" sz="2000" dirty="0">
                 <a:hlinkClick r:id="rId3"/>
               </a:rPr>
-              <a:t>https://www.bportugal.pt/sites/default/files/styles/content_50_perct/public/imagens/group/ei_20201002_grafico_pt.png?itok=uAl1ymkH</a:t>
-            </a:r>
+              <a:t>https://www.rankia.pt/analise-de-mercado/as-consequencias-economicas-do-teletrabalho/</a:t>
+            </a:r>
+            <a:endParaRPr lang="pt-PT" sz="2000" dirty="0"/>
+          </a:p>
+          <a:p>
+            <a:endParaRPr lang="pt-PT" sz="2000" dirty="0"/>
+          </a:p>
+          <a:p>
             <a:endParaRPr lang="pt-PT" sz="2000" dirty="0"/>
           </a:p>
           <a:p>
@@ -4053,7 +4076,7 @@
               <a:rPr lang="pt-PT" sz="2000" dirty="0">
                 <a:hlinkClick r:id="rId4"/>
               </a:rPr>
-              <a:t>https://gee.gov.pt/images/1_Flache_2020/e_maio_2020/12.png</a:t>
+              <a:t>https://www.bportugal.pt/sites/default/files/styles/content_50_perct/public/imagens/group/ei_20201002_grafico_pt.png?itok=uAl1ymkH</a:t>
             </a:r>
             <a:endParaRPr lang="pt-PT" sz="2000" dirty="0"/>
           </a:p>
@@ -4061,6 +4084,15 @@
             <a:r>
               <a:rPr lang="pt-PT" sz="2000" dirty="0">
                 <a:hlinkClick r:id="rId5"/>
+              </a:rPr>
+              <a:t>https://gee.gov.pt/images/1_Flache_2020/e_maio_2020/12.png</a:t>
+            </a:r>
+            <a:endParaRPr lang="pt-PT" sz="2000" dirty="0"/>
+          </a:p>
+          <a:p>
+            <a:r>
+              <a:rPr lang="pt-PT" sz="2000" dirty="0">
+                <a:hlinkClick r:id="rId6"/>
               </a:rPr>
               <a:t>https://www.bportugal.pt/sites/default/files/styles/content_50_perct/public/imagens/group/ei_20201030_grafico_pt.png?itok=zUmQX2tV</a:t>
             </a:r>
